--- a/파이썬 과제/파이썬 12강 과제 남정현.pptx
+++ b/파이썬 과제/파이썬 12강 과제 남정현.pptx
@@ -11,13 +11,26 @@
     <p:sldId id="296" r:id="rId5"/>
     <p:sldId id="299" r:id="rId6"/>
     <p:sldId id="300" r:id="rId7"/>
-    <p:sldId id="301" r:id="rId8"/>
-    <p:sldId id="302" r:id="rId9"/>
-    <p:sldId id="303" r:id="rId10"/>
-    <p:sldId id="304" r:id="rId11"/>
-    <p:sldId id="305" r:id="rId12"/>
-    <p:sldId id="306" r:id="rId13"/>
-    <p:sldId id="298" r:id="rId14"/>
+    <p:sldId id="302" r:id="rId8"/>
+    <p:sldId id="303" r:id="rId9"/>
+    <p:sldId id="304" r:id="rId10"/>
+    <p:sldId id="305" r:id="rId11"/>
+    <p:sldId id="309" r:id="rId12"/>
+    <p:sldId id="310" r:id="rId13"/>
+    <p:sldId id="311" r:id="rId14"/>
+    <p:sldId id="312" r:id="rId15"/>
+    <p:sldId id="313" r:id="rId16"/>
+    <p:sldId id="314" r:id="rId17"/>
+    <p:sldId id="315" r:id="rId18"/>
+    <p:sldId id="307" r:id="rId19"/>
+    <p:sldId id="308" r:id="rId20"/>
+    <p:sldId id="306" r:id="rId21"/>
+    <p:sldId id="316" r:id="rId22"/>
+    <p:sldId id="317" r:id="rId23"/>
+    <p:sldId id="318" r:id="rId24"/>
+    <p:sldId id="319" r:id="rId25"/>
+    <p:sldId id="320" r:id="rId26"/>
+    <p:sldId id="298" r:id="rId27"/>
   </p:sldIdLst>
   <p:sldSz cx="12192000" cy="6858000"/>
   <p:notesSz cx="6858000" cy="9144000"/>
@@ -116,13 +129,18 @@
       </a:defRPr>
     </a:lvl9pPr>
   </p:defaultTextStyle>
+  <p:extLst>
+    <p:ext uri="{EFAFB233-063F-42B5-8137-9DF3F51BA10A}">
+      <p15:sldGuideLst xmlns:p15="http://schemas.microsoft.com/office/powerpoint/2012/main"/>
+    </p:ext>
+  </p:extLst>
 </p:presentation>
 </file>
 
 <file path=ppt/revisionInfo.xml><?xml version="1.0" encoding="utf-8"?>
 <p1510:revInfo xmlns:a="http://schemas.openxmlformats.org/drawingml/2006/main" xmlns:r="http://schemas.openxmlformats.org/officeDocument/2006/relationships" xmlns:p1510="http://schemas.microsoft.com/office/powerpoint/2015/10/main">
   <p1510:revLst>
-    <p1510:client id="{4911270F-8989-475D-A735-4E7C2F738A23}" v="10" dt="2023-05-01T14:13:53.257"/>
+    <p1510:client id="{4911270F-8989-475D-A735-4E7C2F738A23}" v="29" dt="2023-05-01T16:40:15.743"/>
   </p1510:revLst>
 </p1510:revInfo>
 </file>
@@ -131,8 +149,8 @@
 <pc:chgInfo xmlns:a="http://schemas.openxmlformats.org/drawingml/2006/main" xmlns:r="http://schemas.openxmlformats.org/officeDocument/2006/relationships" xmlns:ac="http://schemas.microsoft.com/office/drawing/2013/main/command" xmlns:pc="http://schemas.microsoft.com/office/powerpoint/2013/main/command">
   <pc:docChgLst>
     <pc:chgData name="남 정현" userId="42c87c46deb7f138" providerId="LiveId" clId="{4911270F-8989-475D-A735-4E7C2F738A23}"/>
-    <pc:docChg chg="custSel addSld modSld">
-      <pc:chgData name="남 정현" userId="42c87c46deb7f138" providerId="LiveId" clId="{4911270F-8989-475D-A735-4E7C2F738A23}" dt="2023-05-01T14:31:01.429" v="110" actId="1076"/>
+    <pc:docChg chg="undo custSel addSld delSld modSld">
+      <pc:chgData name="남 정현" userId="42c87c46deb7f138" providerId="LiveId" clId="{4911270F-8989-475D-A735-4E7C2F738A23}" dt="2023-05-01T18:23:42.450" v="740" actId="22"/>
       <pc:docMkLst>
         <pc:docMk/>
       </pc:docMkLst>
@@ -237,8 +255,8 @@
           </ac:picMkLst>
         </pc:picChg>
       </pc:sldChg>
-      <pc:sldChg chg="delSp add mod">
-        <pc:chgData name="남 정현" userId="42c87c46deb7f138" providerId="LiveId" clId="{4911270F-8989-475D-A735-4E7C2F738A23}" dt="2023-05-01T14:13:41.286" v="43" actId="21"/>
+      <pc:sldChg chg="addSp delSp add mod">
+        <pc:chgData name="남 정현" userId="42c87c46deb7f138" providerId="LiveId" clId="{4911270F-8989-475D-A735-4E7C2F738A23}" dt="2023-05-01T18:23:42.450" v="740" actId="22"/>
         <pc:sldMkLst>
           <pc:docMk/>
           <pc:sldMk cId="2331355426" sldId="298"/>
@@ -249,6 +267,14 @@
             <pc:docMk/>
             <pc:sldMk cId="2331355426" sldId="298"/>
             <ac:picMk id="4" creationId="{233BFDFC-AA37-4370-267A-E3DAED920162}"/>
+          </ac:picMkLst>
+        </pc:picChg>
+        <pc:picChg chg="add">
+          <ac:chgData name="남 정현" userId="42c87c46deb7f138" providerId="LiveId" clId="{4911270F-8989-475D-A735-4E7C2F738A23}" dt="2023-05-01T18:23:42.450" v="740" actId="22"/>
+          <ac:picMkLst>
+            <pc:docMk/>
+            <pc:sldMk cId="2331355426" sldId="298"/>
+            <ac:picMk id="4" creationId="{24927ECB-734A-27E0-7BA6-9FA408D2E6C6}"/>
           </ac:picMkLst>
         </pc:picChg>
       </pc:sldChg>
@@ -322,46 +348,879 @@
           </ac:picMkLst>
         </pc:picChg>
       </pc:sldChg>
-      <pc:sldChg chg="add">
-        <pc:chgData name="남 정현" userId="42c87c46deb7f138" providerId="LiveId" clId="{4911270F-8989-475D-A735-4E7C2F738A23}" dt="2023-05-01T14:13:51.458" v="47"/>
+      <pc:sldChg chg="modSp add del mod">
+        <pc:chgData name="남 정현" userId="42c87c46deb7f138" providerId="LiveId" clId="{4911270F-8989-475D-A735-4E7C2F738A23}" dt="2023-05-01T15:31:09.761" v="195" actId="2696"/>
         <pc:sldMkLst>
           <pc:docMk/>
           <pc:sldMk cId="1223046025" sldId="301"/>
         </pc:sldMkLst>
+        <pc:spChg chg="mod">
+          <ac:chgData name="남 정현" userId="42c87c46deb7f138" providerId="LiveId" clId="{4911270F-8989-475D-A735-4E7C2F738A23}" dt="2023-05-01T15:28:04.595" v="183" actId="20577"/>
+          <ac:spMkLst>
+            <pc:docMk/>
+            <pc:sldMk cId="1223046025" sldId="301"/>
+            <ac:spMk id="2" creationId="{C6D12A3E-5C44-35C0-57FE-2485E32526B5}"/>
+          </ac:spMkLst>
+        </pc:spChg>
       </pc:sldChg>
-      <pc:sldChg chg="add">
-        <pc:chgData name="남 정현" userId="42c87c46deb7f138" providerId="LiveId" clId="{4911270F-8989-475D-A735-4E7C2F738A23}" dt="2023-05-01T14:13:51.615" v="48"/>
+      <pc:sldChg chg="addSp modSp add mod">
+        <pc:chgData name="남 정현" userId="42c87c46deb7f138" providerId="LiveId" clId="{4911270F-8989-475D-A735-4E7C2F738A23}" dt="2023-05-01T15:31:02.539" v="194" actId="1076"/>
         <pc:sldMkLst>
           <pc:docMk/>
           <pc:sldMk cId="1437047923" sldId="302"/>
         </pc:sldMkLst>
+        <pc:spChg chg="mod">
+          <ac:chgData name="남 정현" userId="42c87c46deb7f138" providerId="LiveId" clId="{4911270F-8989-475D-A735-4E7C2F738A23}" dt="2023-05-01T15:28:12.027" v="184"/>
+          <ac:spMkLst>
+            <pc:docMk/>
+            <pc:sldMk cId="1437047923" sldId="302"/>
+            <ac:spMk id="2" creationId="{C6D12A3E-5C44-35C0-57FE-2485E32526B5}"/>
+          </ac:spMkLst>
+        </pc:spChg>
+        <pc:picChg chg="add mod">
+          <ac:chgData name="남 정현" userId="42c87c46deb7f138" providerId="LiveId" clId="{4911270F-8989-475D-A735-4E7C2F738A23}" dt="2023-05-01T15:31:01.041" v="193" actId="1076"/>
+          <ac:picMkLst>
+            <pc:docMk/>
+            <pc:sldMk cId="1437047923" sldId="302"/>
+            <ac:picMk id="4" creationId="{21A145AA-1C71-2302-0F87-9ED6A3260246}"/>
+          </ac:picMkLst>
+        </pc:picChg>
+        <pc:picChg chg="add mod">
+          <ac:chgData name="남 정현" userId="42c87c46deb7f138" providerId="LiveId" clId="{4911270F-8989-475D-A735-4E7C2F738A23}" dt="2023-05-01T15:31:02.539" v="194" actId="1076"/>
+          <ac:picMkLst>
+            <pc:docMk/>
+            <pc:sldMk cId="1437047923" sldId="302"/>
+            <ac:picMk id="6" creationId="{B94DDEA9-ED3B-D217-D473-12272266829D}"/>
+          </ac:picMkLst>
+        </pc:picChg>
       </pc:sldChg>
-      <pc:sldChg chg="add">
-        <pc:chgData name="남 정현" userId="42c87c46deb7f138" providerId="LiveId" clId="{4911270F-8989-475D-A735-4E7C2F738A23}" dt="2023-05-01T14:13:51.772" v="49"/>
+      <pc:sldChg chg="addSp modSp add mod">
+        <pc:chgData name="남 정현" userId="42c87c46deb7f138" providerId="LiveId" clId="{4911270F-8989-475D-A735-4E7C2F738A23}" dt="2023-05-01T15:37:41.104" v="255" actId="1076"/>
         <pc:sldMkLst>
           <pc:docMk/>
           <pc:sldMk cId="759880074" sldId="303"/>
         </pc:sldMkLst>
+        <pc:spChg chg="mod">
+          <ac:chgData name="남 정현" userId="42c87c46deb7f138" providerId="LiveId" clId="{4911270F-8989-475D-A735-4E7C2F738A23}" dt="2023-05-01T15:31:25.568" v="238" actId="20577"/>
+          <ac:spMkLst>
+            <pc:docMk/>
+            <pc:sldMk cId="759880074" sldId="303"/>
+            <ac:spMk id="2" creationId="{C6D12A3E-5C44-35C0-57FE-2485E32526B5}"/>
+          </ac:spMkLst>
+        </pc:spChg>
+        <pc:picChg chg="add mod">
+          <ac:chgData name="남 정현" userId="42c87c46deb7f138" providerId="LiveId" clId="{4911270F-8989-475D-A735-4E7C2F738A23}" dt="2023-05-01T15:37:37.804" v="253" actId="1076"/>
+          <ac:picMkLst>
+            <pc:docMk/>
+            <pc:sldMk cId="759880074" sldId="303"/>
+            <ac:picMk id="4" creationId="{DD9555BE-E460-5404-6D70-3EA1F7739FAC}"/>
+          </ac:picMkLst>
+        </pc:picChg>
+        <pc:picChg chg="add mod">
+          <ac:chgData name="남 정현" userId="42c87c46deb7f138" providerId="LiveId" clId="{4911270F-8989-475D-A735-4E7C2F738A23}" dt="2023-05-01T15:37:41.104" v="255" actId="1076"/>
+          <ac:picMkLst>
+            <pc:docMk/>
+            <pc:sldMk cId="759880074" sldId="303"/>
+            <ac:picMk id="6" creationId="{E2B2EF31-1AD6-5F70-E69B-D1B8E59A3278}"/>
+          </ac:picMkLst>
+        </pc:picChg>
+        <pc:picChg chg="add mod">
+          <ac:chgData name="남 정현" userId="42c87c46deb7f138" providerId="LiveId" clId="{4911270F-8989-475D-A735-4E7C2F738A23}" dt="2023-05-01T15:37:34.355" v="252" actId="1076"/>
+          <ac:picMkLst>
+            <pc:docMk/>
+            <pc:sldMk cId="759880074" sldId="303"/>
+            <ac:picMk id="8" creationId="{3B8BFE12-9023-DA75-017F-E3C6D755416C}"/>
+          </ac:picMkLst>
+        </pc:picChg>
       </pc:sldChg>
-      <pc:sldChg chg="add">
-        <pc:chgData name="남 정현" userId="42c87c46deb7f138" providerId="LiveId" clId="{4911270F-8989-475D-A735-4E7C2F738A23}" dt="2023-05-01T14:13:51.932" v="50"/>
+      <pc:sldChg chg="addSp modSp add mod">
+        <pc:chgData name="남 정현" userId="42c87c46deb7f138" providerId="LiveId" clId="{4911270F-8989-475D-A735-4E7C2F738A23}" dt="2023-05-01T15:57:09.242" v="296" actId="1076"/>
         <pc:sldMkLst>
           <pc:docMk/>
           <pc:sldMk cId="2910737342" sldId="304"/>
         </pc:sldMkLst>
+        <pc:spChg chg="mod">
+          <ac:chgData name="남 정현" userId="42c87c46deb7f138" providerId="LiveId" clId="{4911270F-8989-475D-A735-4E7C2F738A23}" dt="2023-05-01T15:38:51.757" v="284"/>
+          <ac:spMkLst>
+            <pc:docMk/>
+            <pc:sldMk cId="2910737342" sldId="304"/>
+            <ac:spMk id="2" creationId="{C6D12A3E-5C44-35C0-57FE-2485E32526B5}"/>
+          </ac:spMkLst>
+        </pc:spChg>
+        <pc:picChg chg="add mod">
+          <ac:chgData name="남 정현" userId="42c87c46deb7f138" providerId="LiveId" clId="{4911270F-8989-475D-A735-4E7C2F738A23}" dt="2023-05-01T15:40:01.362" v="289" actId="1076"/>
+          <ac:picMkLst>
+            <pc:docMk/>
+            <pc:sldMk cId="2910737342" sldId="304"/>
+            <ac:picMk id="4" creationId="{0CC92D62-A5DD-5BB3-FCC5-EFEFE6E0DB9D}"/>
+          </ac:picMkLst>
+        </pc:picChg>
+        <pc:picChg chg="add mod">
+          <ac:chgData name="남 정현" userId="42c87c46deb7f138" providerId="LiveId" clId="{4911270F-8989-475D-A735-4E7C2F738A23}" dt="2023-05-01T15:56:55.458" v="293" actId="1076"/>
+          <ac:picMkLst>
+            <pc:docMk/>
+            <pc:sldMk cId="2910737342" sldId="304"/>
+            <ac:picMk id="6" creationId="{C7721A0D-6862-3059-CFF9-9619E926B0DF}"/>
+          </ac:picMkLst>
+        </pc:picChg>
+        <pc:picChg chg="add mod">
+          <ac:chgData name="남 정현" userId="42c87c46deb7f138" providerId="LiveId" clId="{4911270F-8989-475D-A735-4E7C2F738A23}" dt="2023-05-01T15:57:09.242" v="296" actId="1076"/>
+          <ac:picMkLst>
+            <pc:docMk/>
+            <pc:sldMk cId="2910737342" sldId="304"/>
+            <ac:picMk id="8" creationId="{3CD2C0C0-AFFE-AE47-C2A5-EED4F26949DF}"/>
+          </ac:picMkLst>
+        </pc:picChg>
       </pc:sldChg>
-      <pc:sldChg chg="add">
-        <pc:chgData name="남 정현" userId="42c87c46deb7f138" providerId="LiveId" clId="{4911270F-8989-475D-A735-4E7C2F738A23}" dt="2023-05-01T14:13:52.672" v="51"/>
+      <pc:sldChg chg="addSp modSp add mod">
+        <pc:chgData name="남 정현" userId="42c87c46deb7f138" providerId="LiveId" clId="{4911270F-8989-475D-A735-4E7C2F738A23}" dt="2023-05-01T16:04:58.646" v="309" actId="1076"/>
         <pc:sldMkLst>
           <pc:docMk/>
           <pc:sldMk cId="1067507696" sldId="305"/>
         </pc:sldMkLst>
+        <pc:spChg chg="mod">
+          <ac:chgData name="남 정현" userId="42c87c46deb7f138" providerId="LiveId" clId="{4911270F-8989-475D-A735-4E7C2F738A23}" dt="2023-05-01T15:57:17.286" v="297"/>
+          <ac:spMkLst>
+            <pc:docMk/>
+            <pc:sldMk cId="1067507696" sldId="305"/>
+            <ac:spMk id="2" creationId="{C6D12A3E-5C44-35C0-57FE-2485E32526B5}"/>
+          </ac:spMkLst>
+        </pc:spChg>
+        <pc:picChg chg="add mod">
+          <ac:chgData name="남 정현" userId="42c87c46deb7f138" providerId="LiveId" clId="{4911270F-8989-475D-A735-4E7C2F738A23}" dt="2023-05-01T16:04:24.425" v="305" actId="1076"/>
+          <ac:picMkLst>
+            <pc:docMk/>
+            <pc:sldMk cId="1067507696" sldId="305"/>
+            <ac:picMk id="4" creationId="{73165AFA-5393-6551-BF04-BC8113FFAD95}"/>
+          </ac:picMkLst>
+        </pc:picChg>
+        <pc:picChg chg="add mod">
+          <ac:chgData name="남 정현" userId="42c87c46deb7f138" providerId="LiveId" clId="{4911270F-8989-475D-A735-4E7C2F738A23}" dt="2023-05-01T16:04:58.646" v="309" actId="1076"/>
+          <ac:picMkLst>
+            <pc:docMk/>
+            <pc:sldMk cId="1067507696" sldId="305"/>
+            <ac:picMk id="6" creationId="{273CE95B-6DE1-662D-C503-3CB71FA4CCF1}"/>
+          </ac:picMkLst>
+        </pc:picChg>
       </pc:sldChg>
-      <pc:sldChg chg="add">
-        <pc:chgData name="남 정현" userId="42c87c46deb7f138" providerId="LiveId" clId="{4911270F-8989-475D-A735-4E7C2F738A23}" dt="2023-05-01T14:13:53.254" v="52"/>
+      <pc:sldChg chg="addSp modSp add mod">
+        <pc:chgData name="남 정현" userId="42c87c46deb7f138" providerId="LiveId" clId="{4911270F-8989-475D-A735-4E7C2F738A23}" dt="2023-05-01T16:47:53.801" v="542" actId="14100"/>
         <pc:sldMkLst>
           <pc:docMk/>
           <pc:sldMk cId="1999508166" sldId="306"/>
+        </pc:sldMkLst>
+        <pc:spChg chg="mod">
+          <ac:chgData name="남 정현" userId="42c87c46deb7f138" providerId="LiveId" clId="{4911270F-8989-475D-A735-4E7C2F738A23}" dt="2023-05-01T16:40:11.817" v="494"/>
+          <ac:spMkLst>
+            <pc:docMk/>
+            <pc:sldMk cId="1999508166" sldId="306"/>
+            <ac:spMk id="2" creationId="{C6D12A3E-5C44-35C0-57FE-2485E32526B5}"/>
+          </ac:spMkLst>
+        </pc:spChg>
+        <pc:picChg chg="add mod">
+          <ac:chgData name="남 정현" userId="42c87c46deb7f138" providerId="LiveId" clId="{4911270F-8989-475D-A735-4E7C2F738A23}" dt="2023-05-01T16:46:00.177" v="524" actId="14100"/>
+          <ac:picMkLst>
+            <pc:docMk/>
+            <pc:sldMk cId="1999508166" sldId="306"/>
+            <ac:picMk id="4" creationId="{C5264B7D-BF21-1642-D2D1-70BB7DB89A8D}"/>
+          </ac:picMkLst>
+        </pc:picChg>
+        <pc:picChg chg="add mod">
+          <ac:chgData name="남 정현" userId="42c87c46deb7f138" providerId="LiveId" clId="{4911270F-8989-475D-A735-4E7C2F738A23}" dt="2023-05-01T16:46:11.925" v="527" actId="14100"/>
+          <ac:picMkLst>
+            <pc:docMk/>
+            <pc:sldMk cId="1999508166" sldId="306"/>
+            <ac:picMk id="6" creationId="{7AC91FE5-B4DD-C0B5-A635-83907F18787C}"/>
+          </ac:picMkLst>
+        </pc:picChg>
+        <pc:picChg chg="add mod">
+          <ac:chgData name="남 정현" userId="42c87c46deb7f138" providerId="LiveId" clId="{4911270F-8989-475D-A735-4E7C2F738A23}" dt="2023-05-01T16:46:25.095" v="531" actId="14100"/>
+          <ac:picMkLst>
+            <pc:docMk/>
+            <pc:sldMk cId="1999508166" sldId="306"/>
+            <ac:picMk id="8" creationId="{DF664002-1B10-3138-D798-C3DBA17EC112}"/>
+          </ac:picMkLst>
+        </pc:picChg>
+        <pc:picChg chg="add mod">
+          <ac:chgData name="남 정현" userId="42c87c46deb7f138" providerId="LiveId" clId="{4911270F-8989-475D-A735-4E7C2F738A23}" dt="2023-05-01T16:47:16.699" v="535" actId="14100"/>
+          <ac:picMkLst>
+            <pc:docMk/>
+            <pc:sldMk cId="1999508166" sldId="306"/>
+            <ac:picMk id="10" creationId="{8F9169AF-CD67-CC42-C56F-FF4169A6A794}"/>
+          </ac:picMkLst>
+        </pc:picChg>
+        <pc:picChg chg="add mod">
+          <ac:chgData name="남 정현" userId="42c87c46deb7f138" providerId="LiveId" clId="{4911270F-8989-475D-A735-4E7C2F738A23}" dt="2023-05-01T16:47:31.716" v="538" actId="14100"/>
+          <ac:picMkLst>
+            <pc:docMk/>
+            <pc:sldMk cId="1999508166" sldId="306"/>
+            <ac:picMk id="12" creationId="{E29BD15C-0944-3B5A-9FF6-AC6504CA696B}"/>
+          </ac:picMkLst>
+        </pc:picChg>
+        <pc:picChg chg="add mod">
+          <ac:chgData name="남 정현" userId="42c87c46deb7f138" providerId="LiveId" clId="{4911270F-8989-475D-A735-4E7C2F738A23}" dt="2023-05-01T16:47:53.801" v="542" actId="14100"/>
+          <ac:picMkLst>
+            <pc:docMk/>
+            <pc:sldMk cId="1999508166" sldId="306"/>
+            <ac:picMk id="14" creationId="{803BB792-B552-B55E-3BA9-7DBF013D2A45}"/>
+          </ac:picMkLst>
+        </pc:picChg>
+      </pc:sldChg>
+      <pc:sldChg chg="addSp modSp add mod">
+        <pc:chgData name="남 정현" userId="42c87c46deb7f138" providerId="LiveId" clId="{4911270F-8989-475D-A735-4E7C2F738A23}" dt="2023-05-01T16:39:55.135" v="493" actId="14100"/>
+        <pc:sldMkLst>
+          <pc:docMk/>
+          <pc:sldMk cId="1046774082" sldId="307"/>
+        </pc:sldMkLst>
+        <pc:picChg chg="add mod">
+          <ac:chgData name="남 정현" userId="42c87c46deb7f138" providerId="LiveId" clId="{4911270F-8989-475D-A735-4E7C2F738A23}" dt="2023-05-01T16:37:40.653" v="478" actId="14100"/>
+          <ac:picMkLst>
+            <pc:docMk/>
+            <pc:sldMk cId="1046774082" sldId="307"/>
+            <ac:picMk id="4" creationId="{EA099C30-42D5-134E-97E2-66011B7AD444}"/>
+          </ac:picMkLst>
+        </pc:picChg>
+        <pc:picChg chg="add mod">
+          <ac:chgData name="남 정현" userId="42c87c46deb7f138" providerId="LiveId" clId="{4911270F-8989-475D-A735-4E7C2F738A23}" dt="2023-05-01T16:37:53.696" v="481" actId="14100"/>
+          <ac:picMkLst>
+            <pc:docMk/>
+            <pc:sldMk cId="1046774082" sldId="307"/>
+            <ac:picMk id="6" creationId="{D6DE82E9-6D21-D447-18AE-964CAA25660E}"/>
+          </ac:picMkLst>
+        </pc:picChg>
+        <pc:picChg chg="add mod">
+          <ac:chgData name="남 정현" userId="42c87c46deb7f138" providerId="LiveId" clId="{4911270F-8989-475D-A735-4E7C2F738A23}" dt="2023-05-01T16:38:06.917" v="484" actId="14100"/>
+          <ac:picMkLst>
+            <pc:docMk/>
+            <pc:sldMk cId="1046774082" sldId="307"/>
+            <ac:picMk id="8" creationId="{962D2D2B-98FF-F9C3-B380-1F48FCF0C0FF}"/>
+          </ac:picMkLst>
+        </pc:picChg>
+        <pc:picChg chg="add mod">
+          <ac:chgData name="남 정현" userId="42c87c46deb7f138" providerId="LiveId" clId="{4911270F-8989-475D-A735-4E7C2F738A23}" dt="2023-05-01T16:39:24.430" v="487" actId="14100"/>
+          <ac:picMkLst>
+            <pc:docMk/>
+            <pc:sldMk cId="1046774082" sldId="307"/>
+            <ac:picMk id="10" creationId="{1B176A37-618F-F796-AD3F-49D023363A8B}"/>
+          </ac:picMkLst>
+        </pc:picChg>
+        <pc:picChg chg="add mod">
+          <ac:chgData name="남 정현" userId="42c87c46deb7f138" providerId="LiveId" clId="{4911270F-8989-475D-A735-4E7C2F738A23}" dt="2023-05-01T16:39:40.252" v="490" actId="14100"/>
+          <ac:picMkLst>
+            <pc:docMk/>
+            <pc:sldMk cId="1046774082" sldId="307"/>
+            <ac:picMk id="12" creationId="{62CEEA52-BA56-4FD5-035F-C0CA30E7489E}"/>
+          </ac:picMkLst>
+        </pc:picChg>
+        <pc:picChg chg="add mod">
+          <ac:chgData name="남 정현" userId="42c87c46deb7f138" providerId="LiveId" clId="{4911270F-8989-475D-A735-4E7C2F738A23}" dt="2023-05-01T16:39:55.135" v="493" actId="14100"/>
+          <ac:picMkLst>
+            <pc:docMk/>
+            <pc:sldMk cId="1046774082" sldId="307"/>
+            <ac:picMk id="14" creationId="{99A70182-19CF-0DAE-619E-BD5474CDEB21}"/>
+          </ac:picMkLst>
+        </pc:picChg>
+      </pc:sldChg>
+      <pc:sldChg chg="addSp modSp add mod">
+        <pc:chgData name="남 정현" userId="42c87c46deb7f138" providerId="LiveId" clId="{4911270F-8989-475D-A735-4E7C2F738A23}" dt="2023-05-01T16:44:43.842" v="520" actId="14100"/>
+        <pc:sldMkLst>
+          <pc:docMk/>
+          <pc:sldMk cId="3059259775" sldId="308"/>
+        </pc:sldMkLst>
+        <pc:picChg chg="add mod">
+          <ac:chgData name="남 정현" userId="42c87c46deb7f138" providerId="LiveId" clId="{4911270F-8989-475D-A735-4E7C2F738A23}" dt="2023-05-01T16:41:09.499" v="504" actId="1076"/>
+          <ac:picMkLst>
+            <pc:docMk/>
+            <pc:sldMk cId="3059259775" sldId="308"/>
+            <ac:picMk id="4" creationId="{257B763F-D2BC-D897-BF8B-64EAEEEF5325}"/>
+          </ac:picMkLst>
+        </pc:picChg>
+        <pc:picChg chg="add mod">
+          <ac:chgData name="남 정현" userId="42c87c46deb7f138" providerId="LiveId" clId="{4911270F-8989-475D-A735-4E7C2F738A23}" dt="2023-05-01T16:41:21.905" v="507" actId="14100"/>
+          <ac:picMkLst>
+            <pc:docMk/>
+            <pc:sldMk cId="3059259775" sldId="308"/>
+            <ac:picMk id="6" creationId="{92D53EC3-160F-BAB7-E9D9-F7505E679107}"/>
+          </ac:picMkLst>
+        </pc:picChg>
+        <pc:picChg chg="add mod">
+          <ac:chgData name="남 정현" userId="42c87c46deb7f138" providerId="LiveId" clId="{4911270F-8989-475D-A735-4E7C2F738A23}" dt="2023-05-01T16:41:37.729" v="510" actId="14100"/>
+          <ac:picMkLst>
+            <pc:docMk/>
+            <pc:sldMk cId="3059259775" sldId="308"/>
+            <ac:picMk id="8" creationId="{BA658705-A509-B2DD-3DEF-6F01CE80EB1B}"/>
+          </ac:picMkLst>
+        </pc:picChg>
+        <pc:picChg chg="add mod">
+          <ac:chgData name="남 정현" userId="42c87c46deb7f138" providerId="LiveId" clId="{4911270F-8989-475D-A735-4E7C2F738A23}" dt="2023-05-01T16:44:09.089" v="513" actId="14100"/>
+          <ac:picMkLst>
+            <pc:docMk/>
+            <pc:sldMk cId="3059259775" sldId="308"/>
+            <ac:picMk id="10" creationId="{5D43B455-6D50-B85A-DB67-86E9D16BDDBC}"/>
+          </ac:picMkLst>
+        </pc:picChg>
+        <pc:picChg chg="add mod">
+          <ac:chgData name="남 정현" userId="42c87c46deb7f138" providerId="LiveId" clId="{4911270F-8989-475D-A735-4E7C2F738A23}" dt="2023-05-01T16:44:25.991" v="517" actId="14100"/>
+          <ac:picMkLst>
+            <pc:docMk/>
+            <pc:sldMk cId="3059259775" sldId="308"/>
+            <ac:picMk id="12" creationId="{BDFCDFE2-DAAB-3077-7C8E-0818AC6BEF72}"/>
+          </ac:picMkLst>
+        </pc:picChg>
+        <pc:picChg chg="add mod">
+          <ac:chgData name="남 정현" userId="42c87c46deb7f138" providerId="LiveId" clId="{4911270F-8989-475D-A735-4E7C2F738A23}" dt="2023-05-01T16:44:43.842" v="520" actId="14100"/>
+          <ac:picMkLst>
+            <pc:docMk/>
+            <pc:sldMk cId="3059259775" sldId="308"/>
+            <ac:picMk id="14" creationId="{1A085D87-B69B-81C8-33C2-4FC4C9F6CAE3}"/>
+          </ac:picMkLst>
+        </pc:picChg>
+      </pc:sldChg>
+      <pc:sldChg chg="addSp modSp add mod">
+        <pc:chgData name="남 정현" userId="42c87c46deb7f138" providerId="LiveId" clId="{4911270F-8989-475D-A735-4E7C2F738A23}" dt="2023-05-01T16:08:21.856" v="320" actId="14100"/>
+        <pc:sldMkLst>
+          <pc:docMk/>
+          <pc:sldMk cId="3312675808" sldId="309"/>
+        </pc:sldMkLst>
+        <pc:picChg chg="add mod">
+          <ac:chgData name="남 정현" userId="42c87c46deb7f138" providerId="LiveId" clId="{4911270F-8989-475D-A735-4E7C2F738A23}" dt="2023-05-01T16:08:17.632" v="319" actId="14100"/>
+          <ac:picMkLst>
+            <pc:docMk/>
+            <pc:sldMk cId="3312675808" sldId="309"/>
+            <ac:picMk id="4" creationId="{1F626150-2894-C383-16FE-DF98804AC293}"/>
+          </ac:picMkLst>
+        </pc:picChg>
+        <pc:picChg chg="add mod">
+          <ac:chgData name="남 정현" userId="42c87c46deb7f138" providerId="LiveId" clId="{4911270F-8989-475D-A735-4E7C2F738A23}" dt="2023-05-01T16:08:21.856" v="320" actId="14100"/>
+          <ac:picMkLst>
+            <pc:docMk/>
+            <pc:sldMk cId="3312675808" sldId="309"/>
+            <ac:picMk id="6" creationId="{E00E57BC-5D4A-B001-BE0D-9CF3E5033F76}"/>
+          </ac:picMkLst>
+        </pc:picChg>
+      </pc:sldChg>
+      <pc:sldChg chg="addSp modSp add mod">
+        <pc:chgData name="남 정현" userId="42c87c46deb7f138" providerId="LiveId" clId="{4911270F-8989-475D-A735-4E7C2F738A23}" dt="2023-05-01T16:16:11.574" v="363" actId="14100"/>
+        <pc:sldMkLst>
+          <pc:docMk/>
+          <pc:sldMk cId="3131461202" sldId="310"/>
+        </pc:sldMkLst>
+        <pc:picChg chg="add mod">
+          <ac:chgData name="남 정현" userId="42c87c46deb7f138" providerId="LiveId" clId="{4911270F-8989-475D-A735-4E7C2F738A23}" dt="2023-05-01T16:14:41.036" v="348" actId="14100"/>
+          <ac:picMkLst>
+            <pc:docMk/>
+            <pc:sldMk cId="3131461202" sldId="310"/>
+            <ac:picMk id="4" creationId="{DCE714BE-A04D-7391-3080-0D238D4669B7}"/>
+          </ac:picMkLst>
+        </pc:picChg>
+        <pc:picChg chg="add mod">
+          <ac:chgData name="남 정현" userId="42c87c46deb7f138" providerId="LiveId" clId="{4911270F-8989-475D-A735-4E7C2F738A23}" dt="2023-05-01T16:14:44.872" v="350" actId="1076"/>
+          <ac:picMkLst>
+            <pc:docMk/>
+            <pc:sldMk cId="3131461202" sldId="310"/>
+            <ac:picMk id="6" creationId="{DB64B801-E7EC-E6D1-4554-6DCF773C80E3}"/>
+          </ac:picMkLst>
+        </pc:picChg>
+        <pc:picChg chg="add mod">
+          <ac:chgData name="남 정현" userId="42c87c46deb7f138" providerId="LiveId" clId="{4911270F-8989-475D-A735-4E7C2F738A23}" dt="2023-05-01T16:15:01.814" v="355" actId="14100"/>
+          <ac:picMkLst>
+            <pc:docMk/>
+            <pc:sldMk cId="3131461202" sldId="310"/>
+            <ac:picMk id="8" creationId="{9365F495-7B0A-5ED9-8D62-418A18DB51C8}"/>
+          </ac:picMkLst>
+        </pc:picChg>
+        <pc:picChg chg="add mod">
+          <ac:chgData name="남 정현" userId="42c87c46deb7f138" providerId="LiveId" clId="{4911270F-8989-475D-A735-4E7C2F738A23}" dt="2023-05-01T16:14:52.018" v="353" actId="1076"/>
+          <ac:picMkLst>
+            <pc:docMk/>
+            <pc:sldMk cId="3131461202" sldId="310"/>
+            <ac:picMk id="10" creationId="{B0A729EB-0501-F9EB-DDC5-71989D2D4297}"/>
+          </ac:picMkLst>
+        </pc:picChg>
+        <pc:picChg chg="add mod">
+          <ac:chgData name="남 정현" userId="42c87c46deb7f138" providerId="LiveId" clId="{4911270F-8989-475D-A735-4E7C2F738A23}" dt="2023-05-01T16:15:42.853" v="358" actId="14100"/>
+          <ac:picMkLst>
+            <pc:docMk/>
+            <pc:sldMk cId="3131461202" sldId="310"/>
+            <ac:picMk id="12" creationId="{1ABCF228-0335-B4B4-09CC-ED67D4863767}"/>
+          </ac:picMkLst>
+        </pc:picChg>
+        <pc:picChg chg="add mod">
+          <ac:chgData name="남 정현" userId="42c87c46deb7f138" providerId="LiveId" clId="{4911270F-8989-475D-A735-4E7C2F738A23}" dt="2023-05-01T16:16:11.574" v="363" actId="14100"/>
+          <ac:picMkLst>
+            <pc:docMk/>
+            <pc:sldMk cId="3131461202" sldId="310"/>
+            <ac:picMk id="14" creationId="{5D13AC6C-7554-5368-F19B-5AEBBD2F0E7C}"/>
+          </ac:picMkLst>
+        </pc:picChg>
+      </pc:sldChg>
+      <pc:sldChg chg="addSp modSp add mod">
+        <pc:chgData name="남 정현" userId="42c87c46deb7f138" providerId="LiveId" clId="{4911270F-8989-475D-A735-4E7C2F738A23}" dt="2023-05-01T16:19:22.271" v="392" actId="1076"/>
+        <pc:sldMkLst>
+          <pc:docMk/>
+          <pc:sldMk cId="287313255" sldId="311"/>
+        </pc:sldMkLst>
+        <pc:picChg chg="add mod">
+          <ac:chgData name="남 정현" userId="42c87c46deb7f138" providerId="LiveId" clId="{4911270F-8989-475D-A735-4E7C2F738A23}" dt="2023-05-01T16:19:16.393" v="389" actId="1076"/>
+          <ac:picMkLst>
+            <pc:docMk/>
+            <pc:sldMk cId="287313255" sldId="311"/>
+            <ac:picMk id="4" creationId="{A838DC3C-3D4B-AA4D-D43D-828E53294F3E}"/>
+          </ac:picMkLst>
+        </pc:picChg>
+        <pc:picChg chg="add mod">
+          <ac:chgData name="남 정현" userId="42c87c46deb7f138" providerId="LiveId" clId="{4911270F-8989-475D-A735-4E7C2F738A23}" dt="2023-05-01T16:19:14.476" v="388" actId="1076"/>
+          <ac:picMkLst>
+            <pc:docMk/>
+            <pc:sldMk cId="287313255" sldId="311"/>
+            <ac:picMk id="6" creationId="{B7B27E23-69F9-2747-0D37-9733F7CD8A77}"/>
+          </ac:picMkLst>
+        </pc:picChg>
+        <pc:picChg chg="add mod">
+          <ac:chgData name="남 정현" userId="42c87c46deb7f138" providerId="LiveId" clId="{4911270F-8989-475D-A735-4E7C2F738A23}" dt="2023-05-01T16:19:12.578" v="387" actId="1076"/>
+          <ac:picMkLst>
+            <pc:docMk/>
+            <pc:sldMk cId="287313255" sldId="311"/>
+            <ac:picMk id="8" creationId="{FDDB2A4F-8427-1159-B8F8-C3B5362E9F94}"/>
+          </ac:picMkLst>
+        </pc:picChg>
+        <pc:picChg chg="add mod">
+          <ac:chgData name="남 정현" userId="42c87c46deb7f138" providerId="LiveId" clId="{4911270F-8989-475D-A735-4E7C2F738A23}" dt="2023-05-01T16:19:22.271" v="392" actId="1076"/>
+          <ac:picMkLst>
+            <pc:docMk/>
+            <pc:sldMk cId="287313255" sldId="311"/>
+            <ac:picMk id="10" creationId="{C677410D-24A2-A92A-60F7-CA48D2AF268B}"/>
+          </ac:picMkLst>
+        </pc:picChg>
+        <pc:picChg chg="add mod">
+          <ac:chgData name="남 정현" userId="42c87c46deb7f138" providerId="LiveId" clId="{4911270F-8989-475D-A735-4E7C2F738A23}" dt="2023-05-01T16:19:20.039" v="391" actId="1076"/>
+          <ac:picMkLst>
+            <pc:docMk/>
+            <pc:sldMk cId="287313255" sldId="311"/>
+            <ac:picMk id="12" creationId="{11BE99E2-63F7-3F51-AEA1-B9BE8340F763}"/>
+          </ac:picMkLst>
+        </pc:picChg>
+        <pc:picChg chg="add mod">
+          <ac:chgData name="남 정현" userId="42c87c46deb7f138" providerId="LiveId" clId="{4911270F-8989-475D-A735-4E7C2F738A23}" dt="2023-05-01T16:19:18.222" v="390" actId="1076"/>
+          <ac:picMkLst>
+            <pc:docMk/>
+            <pc:sldMk cId="287313255" sldId="311"/>
+            <ac:picMk id="14" creationId="{A38E314D-E750-0DA2-2FAC-075E33C17969}"/>
+          </ac:picMkLst>
+        </pc:picChg>
+      </pc:sldChg>
+      <pc:sldChg chg="addSp modSp add mod">
+        <pc:chgData name="남 정현" userId="42c87c46deb7f138" providerId="LiveId" clId="{4911270F-8989-475D-A735-4E7C2F738A23}" dt="2023-05-01T16:24:52.533" v="413" actId="14100"/>
+        <pc:sldMkLst>
+          <pc:docMk/>
+          <pc:sldMk cId="1455484889" sldId="312"/>
+        </pc:sldMkLst>
+        <pc:picChg chg="add mod">
+          <ac:chgData name="남 정현" userId="42c87c46deb7f138" providerId="LiveId" clId="{4911270F-8989-475D-A735-4E7C2F738A23}" dt="2023-05-01T16:20:10.769" v="397" actId="1076"/>
+          <ac:picMkLst>
+            <pc:docMk/>
+            <pc:sldMk cId="1455484889" sldId="312"/>
+            <ac:picMk id="4" creationId="{8A16EB9C-7672-C642-FFB0-744251BF7329}"/>
+          </ac:picMkLst>
+        </pc:picChg>
+        <pc:picChg chg="add mod">
+          <ac:chgData name="남 정현" userId="42c87c46deb7f138" providerId="LiveId" clId="{4911270F-8989-475D-A735-4E7C2F738A23}" dt="2023-05-01T16:20:28.246" v="400" actId="14100"/>
+          <ac:picMkLst>
+            <pc:docMk/>
+            <pc:sldMk cId="1455484889" sldId="312"/>
+            <ac:picMk id="6" creationId="{E1D1D9A3-A179-1BF9-218A-0E3A437A9586}"/>
+          </ac:picMkLst>
+        </pc:picChg>
+        <pc:picChg chg="add mod">
+          <ac:chgData name="남 정현" userId="42c87c46deb7f138" providerId="LiveId" clId="{4911270F-8989-475D-A735-4E7C2F738A23}" dt="2023-05-01T16:23:42.361" v="403" actId="14100"/>
+          <ac:picMkLst>
+            <pc:docMk/>
+            <pc:sldMk cId="1455484889" sldId="312"/>
+            <ac:picMk id="8" creationId="{C1A9803E-6053-EFEF-79D7-B0D44B169E0F}"/>
+          </ac:picMkLst>
+        </pc:picChg>
+        <pc:picChg chg="add mod">
+          <ac:chgData name="남 정현" userId="42c87c46deb7f138" providerId="LiveId" clId="{4911270F-8989-475D-A735-4E7C2F738A23}" dt="2023-05-01T16:24:27.243" v="407" actId="1076"/>
+          <ac:picMkLst>
+            <pc:docMk/>
+            <pc:sldMk cId="1455484889" sldId="312"/>
+            <ac:picMk id="10" creationId="{FF76757A-0CC1-EC62-E2D1-6216A880AE07}"/>
+          </ac:picMkLst>
+        </pc:picChg>
+        <pc:picChg chg="add mod">
+          <ac:chgData name="남 정현" userId="42c87c46deb7f138" providerId="LiveId" clId="{4911270F-8989-475D-A735-4E7C2F738A23}" dt="2023-05-01T16:24:39.590" v="410" actId="14100"/>
+          <ac:picMkLst>
+            <pc:docMk/>
+            <pc:sldMk cId="1455484889" sldId="312"/>
+            <ac:picMk id="12" creationId="{A7108C10-251A-1A3B-46AB-D8F4C6A1B4E2}"/>
+          </ac:picMkLst>
+        </pc:picChg>
+        <pc:picChg chg="add mod">
+          <ac:chgData name="남 정현" userId="42c87c46deb7f138" providerId="LiveId" clId="{4911270F-8989-475D-A735-4E7C2F738A23}" dt="2023-05-01T16:24:52.533" v="413" actId="14100"/>
+          <ac:picMkLst>
+            <pc:docMk/>
+            <pc:sldMk cId="1455484889" sldId="312"/>
+            <ac:picMk id="14" creationId="{DC50014F-1E1F-42CF-0793-69F27147722A}"/>
+          </ac:picMkLst>
+        </pc:picChg>
+      </pc:sldChg>
+      <pc:sldChg chg="addSp modSp add mod">
+        <pc:chgData name="남 정현" userId="42c87c46deb7f138" providerId="LiveId" clId="{4911270F-8989-475D-A735-4E7C2F738A23}" dt="2023-05-01T16:28:44.110" v="437" actId="14100"/>
+        <pc:sldMkLst>
+          <pc:docMk/>
+          <pc:sldMk cId="3544326668" sldId="313"/>
+        </pc:sldMkLst>
+        <pc:picChg chg="add mod">
+          <ac:chgData name="남 정현" userId="42c87c46deb7f138" providerId="LiveId" clId="{4911270F-8989-475D-A735-4E7C2F738A23}" dt="2023-05-01T16:26:07.001" v="422" actId="1076"/>
+          <ac:picMkLst>
+            <pc:docMk/>
+            <pc:sldMk cId="3544326668" sldId="313"/>
+            <ac:picMk id="4" creationId="{545EB75A-6C8C-533C-C749-F875071CCCB5}"/>
+          </ac:picMkLst>
+        </pc:picChg>
+        <pc:picChg chg="add mod">
+          <ac:chgData name="남 정현" userId="42c87c46deb7f138" providerId="LiveId" clId="{4911270F-8989-475D-A735-4E7C2F738A23}" dt="2023-05-01T16:26:09.448" v="423" actId="1076"/>
+          <ac:picMkLst>
+            <pc:docMk/>
+            <pc:sldMk cId="3544326668" sldId="313"/>
+            <ac:picMk id="6" creationId="{F00898F7-248D-655C-1980-ED8CB6849BCC}"/>
+          </ac:picMkLst>
+        </pc:picChg>
+        <pc:picChg chg="add mod">
+          <ac:chgData name="남 정현" userId="42c87c46deb7f138" providerId="LiveId" clId="{4911270F-8989-475D-A735-4E7C2F738A23}" dt="2023-05-01T16:26:15.914" v="426" actId="14100"/>
+          <ac:picMkLst>
+            <pc:docMk/>
+            <pc:sldMk cId="3544326668" sldId="313"/>
+            <ac:picMk id="8" creationId="{F8625E41-FD0D-C775-97EA-67DB203DAB7E}"/>
+          </ac:picMkLst>
+        </pc:picChg>
+        <pc:picChg chg="add mod">
+          <ac:chgData name="남 정현" userId="42c87c46deb7f138" providerId="LiveId" clId="{4911270F-8989-475D-A735-4E7C2F738A23}" dt="2023-05-01T16:28:11.194" v="429" actId="14100"/>
+          <ac:picMkLst>
+            <pc:docMk/>
+            <pc:sldMk cId="3544326668" sldId="313"/>
+            <ac:picMk id="10" creationId="{BABFDC8D-24AB-3E69-8E0A-30EB5FB79AA6}"/>
+          </ac:picMkLst>
+        </pc:picChg>
+        <pc:picChg chg="add mod">
+          <ac:chgData name="남 정현" userId="42c87c46deb7f138" providerId="LiveId" clId="{4911270F-8989-475D-A735-4E7C2F738A23}" dt="2023-05-01T16:28:26.913" v="433" actId="14100"/>
+          <ac:picMkLst>
+            <pc:docMk/>
+            <pc:sldMk cId="3544326668" sldId="313"/>
+            <ac:picMk id="12" creationId="{F10D5B1E-A358-B077-5E0A-A8B355BF3984}"/>
+          </ac:picMkLst>
+        </pc:picChg>
+        <pc:picChg chg="add mod">
+          <ac:chgData name="남 정현" userId="42c87c46deb7f138" providerId="LiveId" clId="{4911270F-8989-475D-A735-4E7C2F738A23}" dt="2023-05-01T16:28:44.110" v="437" actId="14100"/>
+          <ac:picMkLst>
+            <pc:docMk/>
+            <pc:sldMk cId="3544326668" sldId="313"/>
+            <ac:picMk id="14" creationId="{763E38EA-6328-FF00-0B00-76AF5D299A1D}"/>
+          </ac:picMkLst>
+        </pc:picChg>
+      </pc:sldChg>
+      <pc:sldChg chg="addSp modSp add mod">
+        <pc:chgData name="남 정현" userId="42c87c46deb7f138" providerId="LiveId" clId="{4911270F-8989-475D-A735-4E7C2F738A23}" dt="2023-05-01T16:30:00.092" v="447" actId="14100"/>
+        <pc:sldMkLst>
+          <pc:docMk/>
+          <pc:sldMk cId="3055511542" sldId="314"/>
+        </pc:sldMkLst>
+        <pc:picChg chg="add mod">
+          <ac:chgData name="남 정현" userId="42c87c46deb7f138" providerId="LiveId" clId="{4911270F-8989-475D-A735-4E7C2F738A23}" dt="2023-05-01T16:29:33.654" v="440" actId="1076"/>
+          <ac:picMkLst>
+            <pc:docMk/>
+            <pc:sldMk cId="3055511542" sldId="314"/>
+            <ac:picMk id="4" creationId="{F265B50F-E076-E21A-B083-B2B13AC9327E}"/>
+          </ac:picMkLst>
+        </pc:picChg>
+        <pc:picChg chg="add mod">
+          <ac:chgData name="남 정현" userId="42c87c46deb7f138" providerId="LiveId" clId="{4911270F-8989-475D-A735-4E7C2F738A23}" dt="2023-05-01T16:29:47.512" v="444" actId="14100"/>
+          <ac:picMkLst>
+            <pc:docMk/>
+            <pc:sldMk cId="3055511542" sldId="314"/>
+            <ac:picMk id="6" creationId="{F3563788-DFBE-4115-8E29-95293FB30C90}"/>
+          </ac:picMkLst>
+        </pc:picChg>
+        <pc:picChg chg="add mod">
+          <ac:chgData name="남 정현" userId="42c87c46deb7f138" providerId="LiveId" clId="{4911270F-8989-475D-A735-4E7C2F738A23}" dt="2023-05-01T16:30:00.092" v="447" actId="14100"/>
+          <ac:picMkLst>
+            <pc:docMk/>
+            <pc:sldMk cId="3055511542" sldId="314"/>
+            <ac:picMk id="8" creationId="{55614EBD-62EA-80B7-0B63-81B483B660DE}"/>
+          </ac:picMkLst>
+        </pc:picChg>
+      </pc:sldChg>
+      <pc:sldChg chg="addSp modSp add mod">
+        <pc:chgData name="남 정현" userId="42c87c46deb7f138" providerId="LiveId" clId="{4911270F-8989-475D-A735-4E7C2F738A23}" dt="2023-05-01T16:36:42.940" v="475" actId="14100"/>
+        <pc:sldMkLst>
+          <pc:docMk/>
+          <pc:sldMk cId="582294828" sldId="315"/>
+        </pc:sldMkLst>
+        <pc:picChg chg="add mod">
+          <ac:chgData name="남 정현" userId="42c87c46deb7f138" providerId="LiveId" clId="{4911270F-8989-475D-A735-4E7C2F738A23}" dt="2023-05-01T16:32:14.265" v="450" actId="14100"/>
+          <ac:picMkLst>
+            <pc:docMk/>
+            <pc:sldMk cId="582294828" sldId="315"/>
+            <ac:picMk id="4" creationId="{0893B8B3-F795-DFC8-3016-AD91349E5617}"/>
+          </ac:picMkLst>
+        </pc:picChg>
+        <pc:picChg chg="add mod">
+          <ac:chgData name="남 정현" userId="42c87c46deb7f138" providerId="LiveId" clId="{4911270F-8989-475D-A735-4E7C2F738A23}" dt="2023-05-01T16:32:35.015" v="458" actId="14100"/>
+          <ac:picMkLst>
+            <pc:docMk/>
+            <pc:sldMk cId="582294828" sldId="315"/>
+            <ac:picMk id="6" creationId="{D0798037-0286-80CF-CFB3-524560ABD4AF}"/>
+          </ac:picMkLst>
+        </pc:picChg>
+        <pc:picChg chg="add mod">
+          <ac:chgData name="남 정현" userId="42c87c46deb7f138" providerId="LiveId" clId="{4911270F-8989-475D-A735-4E7C2F738A23}" dt="2023-05-01T16:32:48.577" v="461" actId="14100"/>
+          <ac:picMkLst>
+            <pc:docMk/>
+            <pc:sldMk cId="582294828" sldId="315"/>
+            <ac:picMk id="8" creationId="{44DA9752-014C-F11B-8B75-1E8EA34ABA26}"/>
+          </ac:picMkLst>
+        </pc:picChg>
+        <pc:picChg chg="add mod">
+          <ac:chgData name="남 정현" userId="42c87c46deb7f138" providerId="LiveId" clId="{4911270F-8989-475D-A735-4E7C2F738A23}" dt="2023-05-01T16:35:44.024" v="468" actId="14100"/>
+          <ac:picMkLst>
+            <pc:docMk/>
+            <pc:sldMk cId="582294828" sldId="315"/>
+            <ac:picMk id="10" creationId="{D896FB83-8004-0C63-9623-BDC7E122DF7C}"/>
+          </ac:picMkLst>
+        </pc:picChg>
+        <pc:picChg chg="add mod">
+          <ac:chgData name="남 정현" userId="42c87c46deb7f138" providerId="LiveId" clId="{4911270F-8989-475D-A735-4E7C2F738A23}" dt="2023-05-01T16:36:20.025" v="472" actId="14100"/>
+          <ac:picMkLst>
+            <pc:docMk/>
+            <pc:sldMk cId="582294828" sldId="315"/>
+            <ac:picMk id="12" creationId="{0CDD882F-510B-DAEC-A580-74939EB29941}"/>
+          </ac:picMkLst>
+        </pc:picChg>
+        <pc:picChg chg="add mod">
+          <ac:chgData name="남 정현" userId="42c87c46deb7f138" providerId="LiveId" clId="{4911270F-8989-475D-A735-4E7C2F738A23}" dt="2023-05-01T16:36:42.940" v="475" actId="14100"/>
+          <ac:picMkLst>
+            <pc:docMk/>
+            <pc:sldMk cId="582294828" sldId="315"/>
+            <ac:picMk id="14" creationId="{DA49194C-83BE-B9A9-61D9-2C1CB11691BF}"/>
+          </ac:picMkLst>
+        </pc:picChg>
+      </pc:sldChg>
+      <pc:sldChg chg="addSp modSp add mod">
+        <pc:chgData name="남 정현" userId="42c87c46deb7f138" providerId="LiveId" clId="{4911270F-8989-475D-A735-4E7C2F738A23}" dt="2023-05-01T17:34:07.506" v="659" actId="20577"/>
+        <pc:sldMkLst>
+          <pc:docMk/>
+          <pc:sldMk cId="2157426118" sldId="316"/>
+        </pc:sldMkLst>
+        <pc:spChg chg="mod">
+          <ac:chgData name="남 정현" userId="42c87c46deb7f138" providerId="LiveId" clId="{4911270F-8989-475D-A735-4E7C2F738A23}" dt="2023-05-01T17:34:07.506" v="659" actId="20577"/>
+          <ac:spMkLst>
+            <pc:docMk/>
+            <pc:sldMk cId="2157426118" sldId="316"/>
+            <ac:spMk id="2" creationId="{C6D12A3E-5C44-35C0-57FE-2485E32526B5}"/>
+          </ac:spMkLst>
+        </pc:spChg>
+        <pc:picChg chg="add mod">
+          <ac:chgData name="남 정현" userId="42c87c46deb7f138" providerId="LiveId" clId="{4911270F-8989-475D-A735-4E7C2F738A23}" dt="2023-05-01T16:52:42.225" v="589" actId="1076"/>
+          <ac:picMkLst>
+            <pc:docMk/>
+            <pc:sldMk cId="2157426118" sldId="316"/>
+            <ac:picMk id="4" creationId="{1C2B11E7-6B2E-7957-C1B5-98D012E0F275}"/>
+          </ac:picMkLst>
+        </pc:picChg>
+        <pc:picChg chg="add mod">
+          <ac:chgData name="남 정현" userId="42c87c46deb7f138" providerId="LiveId" clId="{4911270F-8989-475D-A735-4E7C2F738A23}" dt="2023-05-01T16:54:42.921" v="592" actId="14100"/>
+          <ac:picMkLst>
+            <pc:docMk/>
+            <pc:sldMk cId="2157426118" sldId="316"/>
+            <ac:picMk id="6" creationId="{AC8FFC4C-8117-C8EB-77E0-8C8120540C0A}"/>
+          </ac:picMkLst>
+        </pc:picChg>
+        <pc:picChg chg="add mod">
+          <ac:chgData name="남 정현" userId="42c87c46deb7f138" providerId="LiveId" clId="{4911270F-8989-475D-A735-4E7C2F738A23}" dt="2023-05-01T17:13:05.292" v="595" actId="14100"/>
+          <ac:picMkLst>
+            <pc:docMk/>
+            <pc:sldMk cId="2157426118" sldId="316"/>
+            <ac:picMk id="8" creationId="{C49CE079-1240-1356-F62C-DD9202209EB8}"/>
+          </ac:picMkLst>
+        </pc:picChg>
+        <pc:picChg chg="add mod">
+          <ac:chgData name="남 정현" userId="42c87c46deb7f138" providerId="LiveId" clId="{4911270F-8989-475D-A735-4E7C2F738A23}" dt="2023-05-01T17:13:29.298" v="601" actId="1076"/>
+          <ac:picMkLst>
+            <pc:docMk/>
+            <pc:sldMk cId="2157426118" sldId="316"/>
+            <ac:picMk id="10" creationId="{C32FEA53-69A7-B816-8901-5C970AFB70D7}"/>
+          </ac:picMkLst>
+        </pc:picChg>
+      </pc:sldChg>
+      <pc:sldChg chg="addSp delSp modSp add mod">
+        <pc:chgData name="남 정현" userId="42c87c46deb7f138" providerId="LiveId" clId="{4911270F-8989-475D-A735-4E7C2F738A23}" dt="2023-05-01T17:34:13.529" v="660"/>
+        <pc:sldMkLst>
+          <pc:docMk/>
+          <pc:sldMk cId="211076892" sldId="317"/>
+        </pc:sldMkLst>
+        <pc:spChg chg="mod">
+          <ac:chgData name="남 정현" userId="42c87c46deb7f138" providerId="LiveId" clId="{4911270F-8989-475D-A735-4E7C2F738A23}" dt="2023-05-01T17:34:13.529" v="660"/>
+          <ac:spMkLst>
+            <pc:docMk/>
+            <pc:sldMk cId="211076892" sldId="317"/>
+            <ac:spMk id="2" creationId="{C6D12A3E-5C44-35C0-57FE-2485E32526B5}"/>
+          </ac:spMkLst>
+        </pc:spChg>
+        <pc:picChg chg="add del mod">
+          <ac:chgData name="남 정현" userId="42c87c46deb7f138" providerId="LiveId" clId="{4911270F-8989-475D-A735-4E7C2F738A23}" dt="2023-05-01T17:14:07.420" v="605" actId="22"/>
+          <ac:picMkLst>
+            <pc:docMk/>
+            <pc:sldMk cId="211076892" sldId="317"/>
+            <ac:picMk id="4" creationId="{F98B65E4-D4FC-54E2-D358-B402311B0675}"/>
+          </ac:picMkLst>
+        </pc:picChg>
+        <pc:picChg chg="add del mod">
+          <ac:chgData name="남 정현" userId="42c87c46deb7f138" providerId="LiveId" clId="{4911270F-8989-475D-A735-4E7C2F738A23}" dt="2023-05-01T17:15:10.087" v="610" actId="21"/>
+          <ac:picMkLst>
+            <pc:docMk/>
+            <pc:sldMk cId="211076892" sldId="317"/>
+            <ac:picMk id="6" creationId="{0B8D6A42-A5A3-C109-E300-97640E7FA39C}"/>
+          </ac:picMkLst>
+        </pc:picChg>
+        <pc:picChg chg="add mod">
+          <ac:chgData name="남 정현" userId="42c87c46deb7f138" providerId="LiveId" clId="{4911270F-8989-475D-A735-4E7C2F738A23}" dt="2023-05-01T17:15:14.487" v="612" actId="14100"/>
+          <ac:picMkLst>
+            <pc:docMk/>
+            <pc:sldMk cId="211076892" sldId="317"/>
+            <ac:picMk id="8" creationId="{6F511014-309C-DD0E-0349-E3E1B639082E}"/>
+          </ac:picMkLst>
+        </pc:picChg>
+        <pc:picChg chg="add mod">
+          <ac:chgData name="남 정현" userId="42c87c46deb7f138" providerId="LiveId" clId="{4911270F-8989-475D-A735-4E7C2F738A23}" dt="2023-05-01T17:16:03.575" v="617" actId="14100"/>
+          <ac:picMkLst>
+            <pc:docMk/>
+            <pc:sldMk cId="211076892" sldId="317"/>
+            <ac:picMk id="10" creationId="{BAAB9F0C-E987-4023-1FB7-FD5DB4DE601A}"/>
+          </ac:picMkLst>
+        </pc:picChg>
+        <pc:picChg chg="add mod">
+          <ac:chgData name="남 정현" userId="42c87c46deb7f138" providerId="LiveId" clId="{4911270F-8989-475D-A735-4E7C2F738A23}" dt="2023-05-01T17:28:25.968" v="620" actId="14100"/>
+          <ac:picMkLst>
+            <pc:docMk/>
+            <pc:sldMk cId="211076892" sldId="317"/>
+            <ac:picMk id="12" creationId="{75C3A357-49C9-A2BF-64D6-C1CF13467D42}"/>
+          </ac:picMkLst>
+        </pc:picChg>
+      </pc:sldChg>
+      <pc:sldChg chg="addSp delSp modSp add mod">
+        <pc:chgData name="남 정현" userId="42c87c46deb7f138" providerId="LiveId" clId="{4911270F-8989-475D-A735-4E7C2F738A23}" dt="2023-05-01T17:38:38.423" v="688" actId="1076"/>
+        <pc:sldMkLst>
+          <pc:docMk/>
+          <pc:sldMk cId="2497699658" sldId="318"/>
+        </pc:sldMkLst>
+        <pc:spChg chg="mod">
+          <ac:chgData name="남 정현" userId="42c87c46deb7f138" providerId="LiveId" clId="{4911270F-8989-475D-A735-4E7C2F738A23}" dt="2023-05-01T17:34:23.006" v="682" actId="20577"/>
+          <ac:spMkLst>
+            <pc:docMk/>
+            <pc:sldMk cId="2497699658" sldId="318"/>
+            <ac:spMk id="2" creationId="{C6D12A3E-5C44-35C0-57FE-2485E32526B5}"/>
+          </ac:spMkLst>
+        </pc:spChg>
+        <pc:picChg chg="add del mod">
+          <ac:chgData name="남 정현" userId="42c87c46deb7f138" providerId="LiveId" clId="{4911270F-8989-475D-A735-4E7C2F738A23}" dt="2023-05-01T17:38:09.368" v="685" actId="21"/>
+          <ac:picMkLst>
+            <pc:docMk/>
+            <pc:sldMk cId="2497699658" sldId="318"/>
+            <ac:picMk id="4" creationId="{42E6BBCA-E50E-461A-ADD4-3A5F06B7C33A}"/>
+          </ac:picMkLst>
+        </pc:picChg>
+        <pc:picChg chg="add mod">
+          <ac:chgData name="남 정현" userId="42c87c46deb7f138" providerId="LiveId" clId="{4911270F-8989-475D-A735-4E7C2F738A23}" dt="2023-05-01T17:38:12.076" v="686" actId="1076"/>
+          <ac:picMkLst>
+            <pc:docMk/>
+            <pc:sldMk cId="2497699658" sldId="318"/>
+            <ac:picMk id="6" creationId="{8AAAAE9F-815D-C180-D814-A4AAFEA35C4A}"/>
+          </ac:picMkLst>
+        </pc:picChg>
+        <pc:picChg chg="add mod">
+          <ac:chgData name="남 정현" userId="42c87c46deb7f138" providerId="LiveId" clId="{4911270F-8989-475D-A735-4E7C2F738A23}" dt="2023-05-01T17:38:38.423" v="688" actId="1076"/>
+          <ac:picMkLst>
+            <pc:docMk/>
+            <pc:sldMk cId="2497699658" sldId="318"/>
+            <ac:picMk id="8" creationId="{EA61834D-A132-9278-BABC-4BDD701E8242}"/>
+          </ac:picMkLst>
+        </pc:picChg>
+      </pc:sldChg>
+      <pc:sldChg chg="addSp modSp add mod">
+        <pc:chgData name="남 정현" userId="42c87c46deb7f138" providerId="LiveId" clId="{4911270F-8989-475D-A735-4E7C2F738A23}" dt="2023-05-01T17:40:28.184" v="700" actId="14100"/>
+        <pc:sldMkLst>
+          <pc:docMk/>
+          <pc:sldMk cId="3271348361" sldId="319"/>
+        </pc:sldMkLst>
+        <pc:spChg chg="mod">
+          <ac:chgData name="남 정현" userId="42c87c46deb7f138" providerId="LiveId" clId="{4911270F-8989-475D-A735-4E7C2F738A23}" dt="2023-05-01T17:40:02.170" v="693"/>
+          <ac:spMkLst>
+            <pc:docMk/>
+            <pc:sldMk cId="3271348361" sldId="319"/>
+            <ac:spMk id="2" creationId="{C6D12A3E-5C44-35C0-57FE-2485E32526B5}"/>
+          </ac:spMkLst>
+        </pc:spChg>
+        <pc:picChg chg="add mod">
+          <ac:chgData name="남 정현" userId="42c87c46deb7f138" providerId="LiveId" clId="{4911270F-8989-475D-A735-4E7C2F738A23}" dt="2023-05-01T17:39:56.194" v="692" actId="1076"/>
+          <ac:picMkLst>
+            <pc:docMk/>
+            <pc:sldMk cId="3271348361" sldId="319"/>
+            <ac:picMk id="4" creationId="{4334FBF9-D2A9-62E1-7CCC-0B3C66725401}"/>
+          </ac:picMkLst>
+        </pc:picChg>
+        <pc:picChg chg="add mod">
+          <ac:chgData name="남 정현" userId="42c87c46deb7f138" providerId="LiveId" clId="{4911270F-8989-475D-A735-4E7C2F738A23}" dt="2023-05-01T17:40:15.122" v="697" actId="14100"/>
+          <ac:picMkLst>
+            <pc:docMk/>
+            <pc:sldMk cId="3271348361" sldId="319"/>
+            <ac:picMk id="6" creationId="{81AC2651-98D3-667D-6F4A-6BAC6A39B2F9}"/>
+          </ac:picMkLst>
+        </pc:picChg>
+        <pc:picChg chg="add mod">
+          <ac:chgData name="남 정현" userId="42c87c46deb7f138" providerId="LiveId" clId="{4911270F-8989-475D-A735-4E7C2F738A23}" dt="2023-05-01T17:40:28.184" v="700" actId="14100"/>
+          <ac:picMkLst>
+            <pc:docMk/>
+            <pc:sldMk cId="3271348361" sldId="319"/>
+            <ac:picMk id="8" creationId="{74B83BDA-5080-50AE-3F44-1A28814CBA1F}"/>
+          </ac:picMkLst>
+        </pc:picChg>
+      </pc:sldChg>
+      <pc:sldChg chg="addSp modSp add mod">
+        <pc:chgData name="남 정현" userId="42c87c46deb7f138" providerId="LiveId" clId="{4911270F-8989-475D-A735-4E7C2F738A23}" dt="2023-05-01T18:22:41.923" v="738" actId="1076"/>
+        <pc:sldMkLst>
+          <pc:docMk/>
+          <pc:sldMk cId="3613033490" sldId="320"/>
+        </pc:sldMkLst>
+        <pc:spChg chg="mod">
+          <ac:chgData name="남 정현" userId="42c87c46deb7f138" providerId="LiveId" clId="{4911270F-8989-475D-A735-4E7C2F738A23}" dt="2023-05-01T17:45:59.587" v="734" actId="6549"/>
+          <ac:spMkLst>
+            <pc:docMk/>
+            <pc:sldMk cId="3613033490" sldId="320"/>
+            <ac:spMk id="2" creationId="{C6D12A3E-5C44-35C0-57FE-2485E32526B5}"/>
+          </ac:spMkLst>
+        </pc:spChg>
+        <pc:picChg chg="add mod">
+          <ac:chgData name="남 정현" userId="42c87c46deb7f138" providerId="LiveId" clId="{4911270F-8989-475D-A735-4E7C2F738A23}" dt="2023-05-01T18:22:38.883" v="737" actId="1076"/>
+          <ac:picMkLst>
+            <pc:docMk/>
+            <pc:sldMk cId="3613033490" sldId="320"/>
+            <ac:picMk id="4" creationId="{25671A79-2716-3613-B867-78E3D6111000}"/>
+          </ac:picMkLst>
+        </pc:picChg>
+        <pc:picChg chg="add mod">
+          <ac:chgData name="남 정현" userId="42c87c46deb7f138" providerId="LiveId" clId="{4911270F-8989-475D-A735-4E7C2F738A23}" dt="2023-05-01T18:22:41.923" v="738" actId="1076"/>
+          <ac:picMkLst>
+            <pc:docMk/>
+            <pc:sldMk cId="3613033490" sldId="320"/>
+            <ac:picMk id="6" creationId="{D9D468A0-0567-88A3-E8FA-AE34EAF845E0}"/>
+          </ac:picMkLst>
+        </pc:picChg>
+      </pc:sldChg>
+      <pc:sldChg chg="add del">
+        <pc:chgData name="남 정현" userId="42c87c46deb7f138" providerId="LiveId" clId="{4911270F-8989-475D-A735-4E7C2F738A23}" dt="2023-05-01T18:23:29.051" v="739" actId="2696"/>
+        <pc:sldMkLst>
+          <pc:docMk/>
+          <pc:sldMk cId="3839883208" sldId="321"/>
         </pc:sldMkLst>
       </pc:sldChg>
     </pc:docChg>
@@ -539,7 +1398,7 @@
             <a:fld id="{87DE6118-2437-4B30-8E3C-4D2BE6020583}" type="datetimeFigureOut">
               <a:rPr lang="en-US" dirty="0"/>
               <a:pPr/>
-              <a:t>5/1/2023</a:t>
+              <a:t>5/2/2023</a:t>
             </a:fld>
             <a:endParaRPr lang="en-US" dirty="0"/>
           </a:p>
@@ -865,7 +1724,7 @@
           <a:p>
             <a:fld id="{87DE6118-2437-4B30-8E3C-4D2BE6020583}" type="datetimeFigureOut">
               <a:rPr lang="en-US" dirty="0"/>
-              <a:t>5/1/2023</a:t>
+              <a:t>5/2/2023</a:t>
             </a:fld>
             <a:endParaRPr lang="en-US" dirty="0"/>
           </a:p>
@@ -1040,7 +1899,7 @@
           <a:p>
             <a:fld id="{87DE6118-2437-4B30-8E3C-4D2BE6020583}" type="datetimeFigureOut">
               <a:rPr lang="en-US" dirty="0"/>
-              <a:t>5/1/2023</a:t>
+              <a:t>5/2/2023</a:t>
             </a:fld>
             <a:endParaRPr lang="en-US" dirty="0"/>
           </a:p>
@@ -1205,7 +2064,7 @@
           <a:p>
             <a:fld id="{87DE6118-2437-4B30-8E3C-4D2BE6020583}" type="datetimeFigureOut">
               <a:rPr lang="en-US" dirty="0"/>
-              <a:t>5/1/2023</a:t>
+              <a:t>5/2/2023</a:t>
             </a:fld>
             <a:endParaRPr lang="en-US" dirty="0"/>
           </a:p>
@@ -1478,7 +2337,7 @@
             <a:fld id="{87DE6118-2437-4B30-8E3C-4D2BE6020583}" type="datetimeFigureOut">
               <a:rPr lang="en-US" dirty="0"/>
               <a:pPr/>
-              <a:t>5/1/2023</a:t>
+              <a:t>5/2/2023</a:t>
             </a:fld>
             <a:endParaRPr lang="en-US" dirty="0"/>
           </a:p>
@@ -1868,7 +2727,7 @@
           <a:p>
             <a:fld id="{87DE6118-2437-4B30-8E3C-4D2BE6020583}" type="datetimeFigureOut">
               <a:rPr lang="en-US" dirty="0"/>
-              <a:t>5/1/2023</a:t>
+              <a:t>5/2/2023</a:t>
             </a:fld>
             <a:endParaRPr lang="en-US" dirty="0"/>
           </a:p>
@@ -2340,7 +3199,7 @@
           <a:p>
             <a:fld id="{87DE6118-2437-4B30-8E3C-4D2BE6020583}" type="datetimeFigureOut">
               <a:rPr lang="en-US" dirty="0"/>
-              <a:t>5/1/2023</a:t>
+              <a:t>5/2/2023</a:t>
             </a:fld>
             <a:endParaRPr lang="en-US" dirty="0"/>
           </a:p>
@@ -2453,7 +3312,7 @@
           <a:p>
             <a:fld id="{87DE6118-2437-4B30-8E3C-4D2BE6020583}" type="datetimeFigureOut">
               <a:rPr lang="en-US" dirty="0"/>
-              <a:t>5/1/2023</a:t>
+              <a:t>5/2/2023</a:t>
             </a:fld>
             <a:endParaRPr lang="en-US" dirty="0"/>
           </a:p>
@@ -2543,7 +3402,7 @@
           <a:p>
             <a:fld id="{87DE6118-2437-4B30-8E3C-4D2BE6020583}" type="datetimeFigureOut">
               <a:rPr lang="en-US" dirty="0"/>
-              <a:t>5/1/2023</a:t>
+              <a:t>5/2/2023</a:t>
             </a:fld>
             <a:endParaRPr lang="en-US" dirty="0"/>
           </a:p>
@@ -2885,7 +3744,7 @@
             <a:fld id="{87DE6118-2437-4B30-8E3C-4D2BE6020583}" type="datetimeFigureOut">
               <a:rPr lang="en-US" dirty="0"/>
               <a:pPr/>
-              <a:t>5/1/2023</a:t>
+              <a:t>5/2/2023</a:t>
             </a:fld>
             <a:endParaRPr lang="en-US" dirty="0"/>
           </a:p>
@@ -3270,7 +4129,7 @@
             <a:fld id="{87DE6118-2437-4B30-8E3C-4D2BE6020583}" type="datetimeFigureOut">
               <a:rPr lang="en-US" dirty="0"/>
               <a:pPr/>
-              <a:t>5/1/2023</a:t>
+              <a:t>5/2/2023</a:t>
             </a:fld>
             <a:endParaRPr lang="en-US" dirty="0"/>
           </a:p>
@@ -3545,7 +4404,7 @@
             <a:fld id="{87DE6118-2437-4B30-8E3C-4D2BE6020583}" type="datetimeFigureOut">
               <a:rPr lang="en-US" dirty="0"/>
               <a:pPr/>
-              <a:t>5/1/2023</a:t>
+              <a:t>5/2/2023</a:t>
             </a:fld>
             <a:endParaRPr lang="en-US" dirty="0"/>
           </a:p>
@@ -4154,15 +5013,75 @@
           <a:p>
             <a:r>
               <a:rPr lang="ko-KR" altLang="en-US" sz="1800" dirty="0"/>
-              <a:t>파일 쓰기</a:t>
+              <a:t>데이터베이스 처리 실습</a:t>
             </a:r>
           </a:p>
         </p:txBody>
       </p:sp>
+      <p:pic>
+        <p:nvPicPr>
+          <p:cNvPr id="4" name="그림 3">
+            <a:extLst>
+              <a:ext uri="{FF2B5EF4-FFF2-40B4-BE49-F238E27FC236}">
+                <a16:creationId xmlns:a16="http://schemas.microsoft.com/office/drawing/2014/main" id="{73165AFA-5393-6551-BF04-BC8113FFAD95}"/>
+              </a:ext>
+            </a:extLst>
+          </p:cNvPr>
+          <p:cNvPicPr>
+            <a:picLocks noChangeAspect="1"/>
+          </p:cNvPicPr>
+          <p:nvPr/>
+        </p:nvPicPr>
+        <p:blipFill>
+          <a:blip r:embed="rId2"/>
+          <a:stretch>
+            <a:fillRect/>
+          </a:stretch>
+        </p:blipFill>
+        <p:spPr>
+          <a:xfrm>
+            <a:off x="698938" y="364957"/>
+            <a:ext cx="4254464" cy="6128085"/>
+          </a:xfrm>
+          <a:prstGeom prst="rect">
+            <a:avLst/>
+          </a:prstGeom>
+        </p:spPr>
+      </p:pic>
+      <p:pic>
+        <p:nvPicPr>
+          <p:cNvPr id="6" name="그림 5">
+            <a:extLst>
+              <a:ext uri="{FF2B5EF4-FFF2-40B4-BE49-F238E27FC236}">
+                <a16:creationId xmlns:a16="http://schemas.microsoft.com/office/drawing/2014/main" id="{273CE95B-6DE1-662D-C503-3CB71FA4CCF1}"/>
+              </a:ext>
+            </a:extLst>
+          </p:cNvPr>
+          <p:cNvPicPr>
+            <a:picLocks noChangeAspect="1"/>
+          </p:cNvPicPr>
+          <p:nvPr/>
+        </p:nvPicPr>
+        <p:blipFill>
+          <a:blip r:embed="rId3"/>
+          <a:stretch>
+            <a:fillRect/>
+          </a:stretch>
+        </p:blipFill>
+        <p:spPr>
+          <a:xfrm>
+            <a:off x="6096000" y="328725"/>
+            <a:ext cx="4517361" cy="6164317"/>
+          </a:xfrm>
+          <a:prstGeom prst="rect">
+            <a:avLst/>
+          </a:prstGeom>
+        </p:spPr>
+      </p:pic>
     </p:spTree>
     <p:extLst>
       <p:ext uri="{BB962C8B-B14F-4D97-AF65-F5344CB8AC3E}">
-        <p14:creationId xmlns:p14="http://schemas.microsoft.com/office/powerpoint/2010/main" val="2910737342"/>
+        <p14:creationId xmlns:p14="http://schemas.microsoft.com/office/powerpoint/2010/main" val="1067507696"/>
       </p:ext>
     </p:extLst>
   </p:cSld>
@@ -4219,15 +5138,75 @@
           <a:p>
             <a:r>
               <a:rPr lang="ko-KR" altLang="en-US" sz="1800" dirty="0"/>
-              <a:t>파일 쓰기</a:t>
+              <a:t>데이터베이스 처리 실습</a:t>
             </a:r>
           </a:p>
         </p:txBody>
       </p:sp>
+      <p:pic>
+        <p:nvPicPr>
+          <p:cNvPr id="4" name="그림 3">
+            <a:extLst>
+              <a:ext uri="{FF2B5EF4-FFF2-40B4-BE49-F238E27FC236}">
+                <a16:creationId xmlns:a16="http://schemas.microsoft.com/office/drawing/2014/main" id="{1F626150-2894-C383-16FE-DF98804AC293}"/>
+              </a:ext>
+            </a:extLst>
+          </p:cNvPr>
+          <p:cNvPicPr>
+            <a:picLocks noChangeAspect="1"/>
+          </p:cNvPicPr>
+          <p:nvPr/>
+        </p:nvPicPr>
+        <p:blipFill>
+          <a:blip r:embed="rId2"/>
+          <a:stretch>
+            <a:fillRect/>
+          </a:stretch>
+        </p:blipFill>
+        <p:spPr>
+          <a:xfrm>
+            <a:off x="698938" y="465220"/>
+            <a:ext cx="4486835" cy="6380255"/>
+          </a:xfrm>
+          <a:prstGeom prst="rect">
+            <a:avLst/>
+          </a:prstGeom>
+        </p:spPr>
+      </p:pic>
+      <p:pic>
+        <p:nvPicPr>
+          <p:cNvPr id="6" name="그림 5">
+            <a:extLst>
+              <a:ext uri="{FF2B5EF4-FFF2-40B4-BE49-F238E27FC236}">
+                <a16:creationId xmlns:a16="http://schemas.microsoft.com/office/drawing/2014/main" id="{E00E57BC-5D4A-B001-BE0D-9CF3E5033F76}"/>
+              </a:ext>
+            </a:extLst>
+          </p:cNvPr>
+          <p:cNvPicPr>
+            <a:picLocks noChangeAspect="1"/>
+          </p:cNvPicPr>
+          <p:nvPr/>
+        </p:nvPicPr>
+        <p:blipFill>
+          <a:blip r:embed="rId3"/>
+          <a:stretch>
+            <a:fillRect/>
+          </a:stretch>
+        </p:blipFill>
+        <p:spPr>
+          <a:xfrm>
+            <a:off x="6337400" y="477745"/>
+            <a:ext cx="4850416" cy="6380255"/>
+          </a:xfrm>
+          <a:prstGeom prst="rect">
+            <a:avLst/>
+          </a:prstGeom>
+        </p:spPr>
+      </p:pic>
     </p:spTree>
     <p:extLst>
       <p:ext uri="{BB962C8B-B14F-4D97-AF65-F5344CB8AC3E}">
-        <p14:creationId xmlns:p14="http://schemas.microsoft.com/office/powerpoint/2010/main" val="1067507696"/>
+        <p14:creationId xmlns:p14="http://schemas.microsoft.com/office/powerpoint/2010/main" val="3312675808"/>
       </p:ext>
     </p:extLst>
   </p:cSld>
@@ -4284,15 +5263,195 @@
           <a:p>
             <a:r>
               <a:rPr lang="ko-KR" altLang="en-US" sz="1800" dirty="0"/>
-              <a:t>파일 쓰기</a:t>
+              <a:t>데이터베이스 처리 실습</a:t>
             </a:r>
           </a:p>
         </p:txBody>
       </p:sp>
+      <p:pic>
+        <p:nvPicPr>
+          <p:cNvPr id="4" name="그림 3">
+            <a:extLst>
+              <a:ext uri="{FF2B5EF4-FFF2-40B4-BE49-F238E27FC236}">
+                <a16:creationId xmlns:a16="http://schemas.microsoft.com/office/drawing/2014/main" id="{DCE714BE-A04D-7391-3080-0D238D4669B7}"/>
+              </a:ext>
+            </a:extLst>
+          </p:cNvPr>
+          <p:cNvPicPr>
+            <a:picLocks noChangeAspect="1"/>
+          </p:cNvPicPr>
+          <p:nvPr/>
+        </p:nvPicPr>
+        <p:blipFill>
+          <a:blip r:embed="rId2"/>
+          <a:stretch>
+            <a:fillRect/>
+          </a:stretch>
+        </p:blipFill>
+        <p:spPr>
+          <a:xfrm>
+            <a:off x="1" y="1795804"/>
+            <a:ext cx="5229726" cy="1248301"/>
+          </a:xfrm>
+          <a:prstGeom prst="rect">
+            <a:avLst/>
+          </a:prstGeom>
+        </p:spPr>
+      </p:pic>
+      <p:pic>
+        <p:nvPicPr>
+          <p:cNvPr id="6" name="그림 5">
+            <a:extLst>
+              <a:ext uri="{FF2B5EF4-FFF2-40B4-BE49-F238E27FC236}">
+                <a16:creationId xmlns:a16="http://schemas.microsoft.com/office/drawing/2014/main" id="{DB64B801-E7EC-E6D1-4554-6DCF773C80E3}"/>
+              </a:ext>
+            </a:extLst>
+          </p:cNvPr>
+          <p:cNvPicPr>
+            <a:picLocks noChangeAspect="1"/>
+          </p:cNvPicPr>
+          <p:nvPr/>
+        </p:nvPicPr>
+        <p:blipFill>
+          <a:blip r:embed="rId3"/>
+          <a:stretch>
+            <a:fillRect/>
+          </a:stretch>
+        </p:blipFill>
+        <p:spPr>
+          <a:xfrm>
+            <a:off x="1" y="3044105"/>
+            <a:ext cx="5229726" cy="671830"/>
+          </a:xfrm>
+          <a:prstGeom prst="rect">
+            <a:avLst/>
+          </a:prstGeom>
+        </p:spPr>
+      </p:pic>
+      <p:pic>
+        <p:nvPicPr>
+          <p:cNvPr id="8" name="그림 7">
+            <a:extLst>
+              <a:ext uri="{FF2B5EF4-FFF2-40B4-BE49-F238E27FC236}">
+                <a16:creationId xmlns:a16="http://schemas.microsoft.com/office/drawing/2014/main" id="{9365F495-7B0A-5ED9-8D62-418A18DB51C8}"/>
+              </a:ext>
+            </a:extLst>
+          </p:cNvPr>
+          <p:cNvPicPr>
+            <a:picLocks noChangeAspect="1"/>
+          </p:cNvPicPr>
+          <p:nvPr/>
+        </p:nvPicPr>
+        <p:blipFill>
+          <a:blip r:embed="rId4"/>
+          <a:stretch>
+            <a:fillRect/>
+          </a:stretch>
+        </p:blipFill>
+        <p:spPr>
+          <a:xfrm>
+            <a:off x="0" y="3715935"/>
+            <a:ext cx="5229727" cy="838096"/>
+          </a:xfrm>
+          <a:prstGeom prst="rect">
+            <a:avLst/>
+          </a:prstGeom>
+        </p:spPr>
+      </p:pic>
+      <p:pic>
+        <p:nvPicPr>
+          <p:cNvPr id="10" name="그림 9">
+            <a:extLst>
+              <a:ext uri="{FF2B5EF4-FFF2-40B4-BE49-F238E27FC236}">
+                <a16:creationId xmlns:a16="http://schemas.microsoft.com/office/drawing/2014/main" id="{B0A729EB-0501-F9EB-DDC5-71989D2D4297}"/>
+              </a:ext>
+            </a:extLst>
+          </p:cNvPr>
+          <p:cNvPicPr>
+            <a:picLocks noChangeAspect="1"/>
+          </p:cNvPicPr>
+          <p:nvPr/>
+        </p:nvPicPr>
+        <p:blipFill>
+          <a:blip r:embed="rId5"/>
+          <a:stretch>
+            <a:fillRect/>
+          </a:stretch>
+        </p:blipFill>
+        <p:spPr>
+          <a:xfrm>
+            <a:off x="5575367" y="1759709"/>
+            <a:ext cx="6616632" cy="1212206"/>
+          </a:xfrm>
+          <a:prstGeom prst="rect">
+            <a:avLst/>
+          </a:prstGeom>
+        </p:spPr>
+      </p:pic>
+      <p:pic>
+        <p:nvPicPr>
+          <p:cNvPr id="12" name="그림 11">
+            <a:extLst>
+              <a:ext uri="{FF2B5EF4-FFF2-40B4-BE49-F238E27FC236}">
+                <a16:creationId xmlns:a16="http://schemas.microsoft.com/office/drawing/2014/main" id="{1ABCF228-0335-B4B4-09CC-ED67D4863767}"/>
+              </a:ext>
+            </a:extLst>
+          </p:cNvPr>
+          <p:cNvPicPr>
+            <a:picLocks noChangeAspect="1"/>
+          </p:cNvPicPr>
+          <p:nvPr/>
+        </p:nvPicPr>
+        <p:blipFill>
+          <a:blip r:embed="rId6"/>
+          <a:stretch>
+            <a:fillRect/>
+          </a:stretch>
+        </p:blipFill>
+        <p:spPr>
+          <a:xfrm>
+            <a:off x="5575367" y="3044104"/>
+            <a:ext cx="6616632" cy="1262715"/>
+          </a:xfrm>
+          <a:prstGeom prst="rect">
+            <a:avLst/>
+          </a:prstGeom>
+        </p:spPr>
+      </p:pic>
+      <p:pic>
+        <p:nvPicPr>
+          <p:cNvPr id="14" name="그림 13">
+            <a:extLst>
+              <a:ext uri="{FF2B5EF4-FFF2-40B4-BE49-F238E27FC236}">
+                <a16:creationId xmlns:a16="http://schemas.microsoft.com/office/drawing/2014/main" id="{5D13AC6C-7554-5368-F19B-5AEBBD2F0E7C}"/>
+              </a:ext>
+            </a:extLst>
+          </p:cNvPr>
+          <p:cNvPicPr>
+            <a:picLocks noChangeAspect="1"/>
+          </p:cNvPicPr>
+          <p:nvPr/>
+        </p:nvPicPr>
+        <p:blipFill>
+          <a:blip r:embed="rId7"/>
+          <a:stretch>
+            <a:fillRect/>
+          </a:stretch>
+        </p:blipFill>
+        <p:spPr>
+          <a:xfrm>
+            <a:off x="5575367" y="4328954"/>
+            <a:ext cx="6616632" cy="1480037"/>
+          </a:xfrm>
+          <a:prstGeom prst="rect">
+            <a:avLst/>
+          </a:prstGeom>
+        </p:spPr>
+      </p:pic>
     </p:spTree>
     <p:extLst>
       <p:ext uri="{BB962C8B-B14F-4D97-AF65-F5344CB8AC3E}">
-        <p14:creationId xmlns:p14="http://schemas.microsoft.com/office/powerpoint/2010/main" val="1999508166"/>
+        <p14:creationId xmlns:p14="http://schemas.microsoft.com/office/powerpoint/2010/main" val="3131461202"/>
       </p:ext>
     </p:extLst>
   </p:cSld>
@@ -4349,15 +5508,1575 @@
           <a:p>
             <a:r>
               <a:rPr lang="ko-KR" altLang="en-US" sz="1800" dirty="0"/>
-              <a:t>정리하기</a:t>
+              <a:t>데이터베이스 처리 실습</a:t>
             </a:r>
           </a:p>
         </p:txBody>
       </p:sp>
+      <p:pic>
+        <p:nvPicPr>
+          <p:cNvPr id="4" name="그림 3">
+            <a:extLst>
+              <a:ext uri="{FF2B5EF4-FFF2-40B4-BE49-F238E27FC236}">
+                <a16:creationId xmlns:a16="http://schemas.microsoft.com/office/drawing/2014/main" id="{A838DC3C-3D4B-AA4D-D43D-828E53294F3E}"/>
+              </a:ext>
+            </a:extLst>
+          </p:cNvPr>
+          <p:cNvPicPr>
+            <a:picLocks noChangeAspect="1"/>
+          </p:cNvPicPr>
+          <p:nvPr/>
+        </p:nvPicPr>
+        <p:blipFill>
+          <a:blip r:embed="rId2"/>
+          <a:stretch>
+            <a:fillRect/>
+          </a:stretch>
+        </p:blipFill>
+        <p:spPr>
+          <a:xfrm>
+            <a:off x="0" y="1441362"/>
+            <a:ext cx="4960968" cy="989367"/>
+          </a:xfrm>
+          <a:prstGeom prst="rect">
+            <a:avLst/>
+          </a:prstGeom>
+        </p:spPr>
+      </p:pic>
+      <p:pic>
+        <p:nvPicPr>
+          <p:cNvPr id="6" name="그림 5">
+            <a:extLst>
+              <a:ext uri="{FF2B5EF4-FFF2-40B4-BE49-F238E27FC236}">
+                <a16:creationId xmlns:a16="http://schemas.microsoft.com/office/drawing/2014/main" id="{B7B27E23-69F9-2747-0D37-9733F7CD8A77}"/>
+              </a:ext>
+            </a:extLst>
+          </p:cNvPr>
+          <p:cNvPicPr>
+            <a:picLocks noChangeAspect="1"/>
+          </p:cNvPicPr>
+          <p:nvPr/>
+        </p:nvPicPr>
+        <p:blipFill>
+          <a:blip r:embed="rId3"/>
+          <a:stretch>
+            <a:fillRect/>
+          </a:stretch>
+        </p:blipFill>
+        <p:spPr>
+          <a:xfrm>
+            <a:off x="0" y="2430729"/>
+            <a:ext cx="4161641" cy="1683718"/>
+          </a:xfrm>
+          <a:prstGeom prst="rect">
+            <a:avLst/>
+          </a:prstGeom>
+        </p:spPr>
+      </p:pic>
+      <p:pic>
+        <p:nvPicPr>
+          <p:cNvPr id="8" name="그림 7">
+            <a:extLst>
+              <a:ext uri="{FF2B5EF4-FFF2-40B4-BE49-F238E27FC236}">
+                <a16:creationId xmlns:a16="http://schemas.microsoft.com/office/drawing/2014/main" id="{FDDB2A4F-8427-1159-B8F8-C3B5362E9F94}"/>
+              </a:ext>
+            </a:extLst>
+          </p:cNvPr>
+          <p:cNvPicPr>
+            <a:picLocks noChangeAspect="1"/>
+          </p:cNvPicPr>
+          <p:nvPr/>
+        </p:nvPicPr>
+        <p:blipFill>
+          <a:blip r:embed="rId4"/>
+          <a:stretch>
+            <a:fillRect/>
+          </a:stretch>
+        </p:blipFill>
+        <p:spPr>
+          <a:xfrm>
+            <a:off x="0" y="4205587"/>
+            <a:ext cx="4561496" cy="1288131"/>
+          </a:xfrm>
+          <a:prstGeom prst="rect">
+            <a:avLst/>
+          </a:prstGeom>
+        </p:spPr>
+      </p:pic>
+      <p:pic>
+        <p:nvPicPr>
+          <p:cNvPr id="10" name="그림 9">
+            <a:extLst>
+              <a:ext uri="{FF2B5EF4-FFF2-40B4-BE49-F238E27FC236}">
+                <a16:creationId xmlns:a16="http://schemas.microsoft.com/office/drawing/2014/main" id="{C677410D-24A2-A92A-60F7-CA48D2AF268B}"/>
+              </a:ext>
+            </a:extLst>
+          </p:cNvPr>
+          <p:cNvPicPr>
+            <a:picLocks noChangeAspect="1"/>
+          </p:cNvPicPr>
+          <p:nvPr/>
+        </p:nvPicPr>
+        <p:blipFill>
+          <a:blip r:embed="rId5"/>
+          <a:stretch>
+            <a:fillRect/>
+          </a:stretch>
+        </p:blipFill>
+        <p:spPr>
+          <a:xfrm>
+            <a:off x="6096000" y="1235471"/>
+            <a:ext cx="4823170" cy="989367"/>
+          </a:xfrm>
+          <a:prstGeom prst="rect">
+            <a:avLst/>
+          </a:prstGeom>
+        </p:spPr>
+      </p:pic>
+      <p:pic>
+        <p:nvPicPr>
+          <p:cNvPr id="12" name="그림 11">
+            <a:extLst>
+              <a:ext uri="{FF2B5EF4-FFF2-40B4-BE49-F238E27FC236}">
+                <a16:creationId xmlns:a16="http://schemas.microsoft.com/office/drawing/2014/main" id="{11BE99E2-63F7-3F51-AEA1-B9BE8340F763}"/>
+              </a:ext>
+            </a:extLst>
+          </p:cNvPr>
+          <p:cNvPicPr>
+            <a:picLocks noChangeAspect="1"/>
+          </p:cNvPicPr>
+          <p:nvPr/>
+        </p:nvPicPr>
+        <p:blipFill>
+          <a:blip r:embed="rId6"/>
+          <a:stretch>
+            <a:fillRect/>
+          </a:stretch>
+        </p:blipFill>
+        <p:spPr>
+          <a:xfrm>
+            <a:off x="6096000" y="2159316"/>
+            <a:ext cx="3980610" cy="1908308"/>
+          </a:xfrm>
+          <a:prstGeom prst="rect">
+            <a:avLst/>
+          </a:prstGeom>
+        </p:spPr>
+      </p:pic>
+      <p:pic>
+        <p:nvPicPr>
+          <p:cNvPr id="14" name="그림 13">
+            <a:extLst>
+              <a:ext uri="{FF2B5EF4-FFF2-40B4-BE49-F238E27FC236}">
+                <a16:creationId xmlns:a16="http://schemas.microsoft.com/office/drawing/2014/main" id="{A38E314D-E750-0DA2-2FAC-075E33C17969}"/>
+              </a:ext>
+            </a:extLst>
+          </p:cNvPr>
+          <p:cNvPicPr>
+            <a:picLocks noChangeAspect="1"/>
+          </p:cNvPicPr>
+          <p:nvPr/>
+        </p:nvPicPr>
+        <p:blipFill>
+          <a:blip r:embed="rId7"/>
+          <a:stretch>
+            <a:fillRect/>
+          </a:stretch>
+        </p:blipFill>
+        <p:spPr>
+          <a:xfrm>
+            <a:off x="6096000" y="4102837"/>
+            <a:ext cx="4561495" cy="1390881"/>
+          </a:xfrm>
+          <a:prstGeom prst="rect">
+            <a:avLst/>
+          </a:prstGeom>
+        </p:spPr>
+      </p:pic>
     </p:spTree>
     <p:extLst>
       <p:ext uri="{BB962C8B-B14F-4D97-AF65-F5344CB8AC3E}">
-        <p14:creationId xmlns:p14="http://schemas.microsoft.com/office/powerpoint/2010/main" val="2331355426"/>
+        <p14:creationId xmlns:p14="http://schemas.microsoft.com/office/powerpoint/2010/main" val="287313255"/>
+      </p:ext>
+    </p:extLst>
+  </p:cSld>
+  <p:clrMapOvr>
+    <a:masterClrMapping/>
+  </p:clrMapOvr>
+</p:sld>
+</file>
+
+<file path=ppt/slides/slide14.xml><?xml version="1.0" encoding="utf-8"?>
+<p:sld xmlns:a="http://schemas.openxmlformats.org/drawingml/2006/main" xmlns:r="http://schemas.openxmlformats.org/officeDocument/2006/relationships" xmlns:p="http://schemas.openxmlformats.org/presentationml/2006/main">
+  <p:cSld>
+    <p:spTree>
+      <p:nvGrpSpPr>
+        <p:cNvPr id="1" name=""/>
+        <p:cNvGrpSpPr/>
+        <p:nvPr/>
+      </p:nvGrpSpPr>
+      <p:grpSpPr>
+        <a:xfrm>
+          <a:off x="0" y="0"/>
+          <a:ext cx="0" cy="0"/>
+          <a:chOff x="0" y="0"/>
+          <a:chExt cx="0" cy="0"/>
+        </a:xfrm>
+      </p:grpSpPr>
+      <p:sp>
+        <p:nvSpPr>
+          <p:cNvPr id="2" name="제목 1">
+            <a:extLst>
+              <a:ext uri="{FF2B5EF4-FFF2-40B4-BE49-F238E27FC236}">
+                <a16:creationId xmlns:a16="http://schemas.microsoft.com/office/drawing/2014/main" id="{C6D12A3E-5C44-35C0-57FE-2485E32526B5}"/>
+              </a:ext>
+            </a:extLst>
+          </p:cNvPr>
+          <p:cNvSpPr>
+            <a:spLocks noGrp="1"/>
+          </p:cNvSpPr>
+          <p:nvPr>
+            <p:ph type="title"/>
+          </p:nvPr>
+        </p:nvSpPr>
+        <p:spPr>
+          <a:xfrm>
+            <a:off x="698938" y="0"/>
+            <a:ext cx="9601200" cy="346841"/>
+          </a:xfrm>
+        </p:spPr>
+        <p:txBody>
+          <a:bodyPr>
+            <a:normAutofit/>
+          </a:bodyPr>
+          <a:lstStyle/>
+          <a:p>
+            <a:r>
+              <a:rPr lang="ko-KR" altLang="en-US" sz="1800" dirty="0"/>
+              <a:t>데이터베이스 처리 실습</a:t>
+            </a:r>
+          </a:p>
+        </p:txBody>
+      </p:sp>
+      <p:pic>
+        <p:nvPicPr>
+          <p:cNvPr id="4" name="그림 3">
+            <a:extLst>
+              <a:ext uri="{FF2B5EF4-FFF2-40B4-BE49-F238E27FC236}">
+                <a16:creationId xmlns:a16="http://schemas.microsoft.com/office/drawing/2014/main" id="{8A16EB9C-7672-C642-FFB0-744251BF7329}"/>
+              </a:ext>
+            </a:extLst>
+          </p:cNvPr>
+          <p:cNvPicPr>
+            <a:picLocks noChangeAspect="1"/>
+          </p:cNvPicPr>
+          <p:nvPr/>
+        </p:nvPicPr>
+        <p:blipFill>
+          <a:blip r:embed="rId2"/>
+          <a:stretch>
+            <a:fillRect/>
+          </a:stretch>
+        </p:blipFill>
+        <p:spPr>
+          <a:xfrm>
+            <a:off x="0" y="1297727"/>
+            <a:ext cx="4779725" cy="964210"/>
+          </a:xfrm>
+          <a:prstGeom prst="rect">
+            <a:avLst/>
+          </a:prstGeom>
+        </p:spPr>
+      </p:pic>
+      <p:pic>
+        <p:nvPicPr>
+          <p:cNvPr id="6" name="그림 5">
+            <a:extLst>
+              <a:ext uri="{FF2B5EF4-FFF2-40B4-BE49-F238E27FC236}">
+                <a16:creationId xmlns:a16="http://schemas.microsoft.com/office/drawing/2014/main" id="{E1D1D9A3-A179-1BF9-218A-0E3A437A9586}"/>
+              </a:ext>
+            </a:extLst>
+          </p:cNvPr>
+          <p:cNvPicPr>
+            <a:picLocks noChangeAspect="1"/>
+          </p:cNvPicPr>
+          <p:nvPr/>
+        </p:nvPicPr>
+        <p:blipFill>
+          <a:blip r:embed="rId3"/>
+          <a:stretch>
+            <a:fillRect/>
+          </a:stretch>
+        </p:blipFill>
+        <p:spPr>
+          <a:xfrm>
+            <a:off x="0" y="2234872"/>
+            <a:ext cx="3986428" cy="2361191"/>
+          </a:xfrm>
+          <a:prstGeom prst="rect">
+            <a:avLst/>
+          </a:prstGeom>
+        </p:spPr>
+      </p:pic>
+      <p:pic>
+        <p:nvPicPr>
+          <p:cNvPr id="8" name="그림 7">
+            <a:extLst>
+              <a:ext uri="{FF2B5EF4-FFF2-40B4-BE49-F238E27FC236}">
+                <a16:creationId xmlns:a16="http://schemas.microsoft.com/office/drawing/2014/main" id="{C1A9803E-6053-EFEF-79D7-B0D44B169E0F}"/>
+              </a:ext>
+            </a:extLst>
+          </p:cNvPr>
+          <p:cNvPicPr>
+            <a:picLocks noChangeAspect="1"/>
+          </p:cNvPicPr>
+          <p:nvPr/>
+        </p:nvPicPr>
+        <p:blipFill>
+          <a:blip r:embed="rId4"/>
+          <a:stretch>
+            <a:fillRect/>
+          </a:stretch>
+        </p:blipFill>
+        <p:spPr>
+          <a:xfrm>
+            <a:off x="0" y="4585951"/>
+            <a:ext cx="4103604" cy="1317544"/>
+          </a:xfrm>
+          <a:prstGeom prst="rect">
+            <a:avLst/>
+          </a:prstGeom>
+        </p:spPr>
+      </p:pic>
+      <p:pic>
+        <p:nvPicPr>
+          <p:cNvPr id="10" name="그림 9">
+            <a:extLst>
+              <a:ext uri="{FF2B5EF4-FFF2-40B4-BE49-F238E27FC236}">
+                <a16:creationId xmlns:a16="http://schemas.microsoft.com/office/drawing/2014/main" id="{FF76757A-0CC1-EC62-E2D1-6216A880AE07}"/>
+              </a:ext>
+            </a:extLst>
+          </p:cNvPr>
+          <p:cNvPicPr>
+            <a:picLocks noChangeAspect="1"/>
+          </p:cNvPicPr>
+          <p:nvPr/>
+        </p:nvPicPr>
+        <p:blipFill>
+          <a:blip r:embed="rId5"/>
+          <a:stretch>
+            <a:fillRect/>
+          </a:stretch>
+        </p:blipFill>
+        <p:spPr>
+          <a:xfrm>
+            <a:off x="5783457" y="1297727"/>
+            <a:ext cx="4779725" cy="1008439"/>
+          </a:xfrm>
+          <a:prstGeom prst="rect">
+            <a:avLst/>
+          </a:prstGeom>
+        </p:spPr>
+      </p:pic>
+      <p:pic>
+        <p:nvPicPr>
+          <p:cNvPr id="12" name="그림 11">
+            <a:extLst>
+              <a:ext uri="{FF2B5EF4-FFF2-40B4-BE49-F238E27FC236}">
+                <a16:creationId xmlns:a16="http://schemas.microsoft.com/office/drawing/2014/main" id="{A7108C10-251A-1A3B-46AB-D8F4C6A1B4E2}"/>
+              </a:ext>
+            </a:extLst>
+          </p:cNvPr>
+          <p:cNvPicPr>
+            <a:picLocks noChangeAspect="1"/>
+          </p:cNvPicPr>
+          <p:nvPr/>
+        </p:nvPicPr>
+        <p:blipFill>
+          <a:blip r:embed="rId6"/>
+          <a:stretch>
+            <a:fillRect/>
+          </a:stretch>
+        </p:blipFill>
+        <p:spPr>
+          <a:xfrm>
+            <a:off x="5783457" y="2273241"/>
+            <a:ext cx="3857848" cy="2679877"/>
+          </a:xfrm>
+          <a:prstGeom prst="rect">
+            <a:avLst/>
+          </a:prstGeom>
+        </p:spPr>
+      </p:pic>
+      <p:pic>
+        <p:nvPicPr>
+          <p:cNvPr id="14" name="그림 13">
+            <a:extLst>
+              <a:ext uri="{FF2B5EF4-FFF2-40B4-BE49-F238E27FC236}">
+                <a16:creationId xmlns:a16="http://schemas.microsoft.com/office/drawing/2014/main" id="{DC50014F-1E1F-42CF-0793-69F27147722A}"/>
+              </a:ext>
+            </a:extLst>
+          </p:cNvPr>
+          <p:cNvPicPr>
+            <a:picLocks noChangeAspect="1"/>
+          </p:cNvPicPr>
+          <p:nvPr/>
+        </p:nvPicPr>
+        <p:blipFill>
+          <a:blip r:embed="rId7"/>
+          <a:stretch>
+            <a:fillRect/>
+          </a:stretch>
+        </p:blipFill>
+        <p:spPr>
+          <a:xfrm>
+            <a:off x="5783457" y="4988744"/>
+            <a:ext cx="4465014" cy="1317544"/>
+          </a:xfrm>
+          <a:prstGeom prst="rect">
+            <a:avLst/>
+          </a:prstGeom>
+        </p:spPr>
+      </p:pic>
+    </p:spTree>
+    <p:extLst>
+      <p:ext uri="{BB962C8B-B14F-4D97-AF65-F5344CB8AC3E}">
+        <p14:creationId xmlns:p14="http://schemas.microsoft.com/office/powerpoint/2010/main" val="1455484889"/>
+      </p:ext>
+    </p:extLst>
+  </p:cSld>
+  <p:clrMapOvr>
+    <a:masterClrMapping/>
+  </p:clrMapOvr>
+</p:sld>
+</file>
+
+<file path=ppt/slides/slide15.xml><?xml version="1.0" encoding="utf-8"?>
+<p:sld xmlns:a="http://schemas.openxmlformats.org/drawingml/2006/main" xmlns:r="http://schemas.openxmlformats.org/officeDocument/2006/relationships" xmlns:p="http://schemas.openxmlformats.org/presentationml/2006/main">
+  <p:cSld>
+    <p:spTree>
+      <p:nvGrpSpPr>
+        <p:cNvPr id="1" name=""/>
+        <p:cNvGrpSpPr/>
+        <p:nvPr/>
+      </p:nvGrpSpPr>
+      <p:grpSpPr>
+        <a:xfrm>
+          <a:off x="0" y="0"/>
+          <a:ext cx="0" cy="0"/>
+          <a:chOff x="0" y="0"/>
+          <a:chExt cx="0" cy="0"/>
+        </a:xfrm>
+      </p:grpSpPr>
+      <p:sp>
+        <p:nvSpPr>
+          <p:cNvPr id="2" name="제목 1">
+            <a:extLst>
+              <a:ext uri="{FF2B5EF4-FFF2-40B4-BE49-F238E27FC236}">
+                <a16:creationId xmlns:a16="http://schemas.microsoft.com/office/drawing/2014/main" id="{C6D12A3E-5C44-35C0-57FE-2485E32526B5}"/>
+              </a:ext>
+            </a:extLst>
+          </p:cNvPr>
+          <p:cNvSpPr>
+            <a:spLocks noGrp="1"/>
+          </p:cNvSpPr>
+          <p:nvPr>
+            <p:ph type="title"/>
+          </p:nvPr>
+        </p:nvSpPr>
+        <p:spPr>
+          <a:xfrm>
+            <a:off x="698938" y="0"/>
+            <a:ext cx="9601200" cy="346841"/>
+          </a:xfrm>
+        </p:spPr>
+        <p:txBody>
+          <a:bodyPr>
+            <a:normAutofit/>
+          </a:bodyPr>
+          <a:lstStyle/>
+          <a:p>
+            <a:r>
+              <a:rPr lang="ko-KR" altLang="en-US" sz="1800" dirty="0"/>
+              <a:t>데이터베이스 처리 실습</a:t>
+            </a:r>
+          </a:p>
+        </p:txBody>
+      </p:sp>
+      <p:pic>
+        <p:nvPicPr>
+          <p:cNvPr id="4" name="그림 3">
+            <a:extLst>
+              <a:ext uri="{FF2B5EF4-FFF2-40B4-BE49-F238E27FC236}">
+                <a16:creationId xmlns:a16="http://schemas.microsoft.com/office/drawing/2014/main" id="{545EB75A-6C8C-533C-C749-F875071CCCB5}"/>
+              </a:ext>
+            </a:extLst>
+          </p:cNvPr>
+          <p:cNvPicPr>
+            <a:picLocks noChangeAspect="1"/>
+          </p:cNvPicPr>
+          <p:nvPr/>
+        </p:nvPicPr>
+        <p:blipFill>
+          <a:blip r:embed="rId2"/>
+          <a:stretch>
+            <a:fillRect/>
+          </a:stretch>
+        </p:blipFill>
+        <p:spPr>
+          <a:xfrm>
+            <a:off x="0" y="886246"/>
+            <a:ext cx="5497830" cy="1130981"/>
+          </a:xfrm>
+          <a:prstGeom prst="rect">
+            <a:avLst/>
+          </a:prstGeom>
+        </p:spPr>
+      </p:pic>
+      <p:pic>
+        <p:nvPicPr>
+          <p:cNvPr id="6" name="그림 5">
+            <a:extLst>
+              <a:ext uri="{FF2B5EF4-FFF2-40B4-BE49-F238E27FC236}">
+                <a16:creationId xmlns:a16="http://schemas.microsoft.com/office/drawing/2014/main" id="{F00898F7-248D-655C-1980-ED8CB6849BCC}"/>
+              </a:ext>
+            </a:extLst>
+          </p:cNvPr>
+          <p:cNvPicPr>
+            <a:picLocks noChangeAspect="1"/>
+          </p:cNvPicPr>
+          <p:nvPr/>
+        </p:nvPicPr>
+        <p:blipFill>
+          <a:blip r:embed="rId3"/>
+          <a:stretch>
+            <a:fillRect/>
+          </a:stretch>
+        </p:blipFill>
+        <p:spPr>
+          <a:xfrm>
+            <a:off x="0" y="2017227"/>
+            <a:ext cx="3625516" cy="2757046"/>
+          </a:xfrm>
+          <a:prstGeom prst="rect">
+            <a:avLst/>
+          </a:prstGeom>
+        </p:spPr>
+      </p:pic>
+      <p:pic>
+        <p:nvPicPr>
+          <p:cNvPr id="8" name="그림 7">
+            <a:extLst>
+              <a:ext uri="{FF2B5EF4-FFF2-40B4-BE49-F238E27FC236}">
+                <a16:creationId xmlns:a16="http://schemas.microsoft.com/office/drawing/2014/main" id="{F8625E41-FD0D-C775-97EA-67DB203DAB7E}"/>
+              </a:ext>
+            </a:extLst>
+          </p:cNvPr>
+          <p:cNvPicPr>
+            <a:picLocks noChangeAspect="1"/>
+          </p:cNvPicPr>
+          <p:nvPr/>
+        </p:nvPicPr>
+        <p:blipFill>
+          <a:blip r:embed="rId4"/>
+          <a:stretch>
+            <a:fillRect/>
+          </a:stretch>
+        </p:blipFill>
+        <p:spPr>
+          <a:xfrm>
+            <a:off x="-1" y="4804679"/>
+            <a:ext cx="4731291" cy="1403616"/>
+          </a:xfrm>
+          <a:prstGeom prst="rect">
+            <a:avLst/>
+          </a:prstGeom>
+        </p:spPr>
+      </p:pic>
+      <p:pic>
+        <p:nvPicPr>
+          <p:cNvPr id="10" name="그림 9">
+            <a:extLst>
+              <a:ext uri="{FF2B5EF4-FFF2-40B4-BE49-F238E27FC236}">
+                <a16:creationId xmlns:a16="http://schemas.microsoft.com/office/drawing/2014/main" id="{BABFDC8D-24AB-3E69-8E0A-30EB5FB79AA6}"/>
+              </a:ext>
+            </a:extLst>
+          </p:cNvPr>
+          <p:cNvPicPr>
+            <a:picLocks noChangeAspect="1"/>
+          </p:cNvPicPr>
+          <p:nvPr/>
+        </p:nvPicPr>
+        <p:blipFill>
+          <a:blip r:embed="rId5"/>
+          <a:stretch>
+            <a:fillRect/>
+          </a:stretch>
+        </p:blipFill>
+        <p:spPr>
+          <a:xfrm>
+            <a:off x="6470092" y="886246"/>
+            <a:ext cx="5527472" cy="1130981"/>
+          </a:xfrm>
+          <a:prstGeom prst="rect">
+            <a:avLst/>
+          </a:prstGeom>
+        </p:spPr>
+      </p:pic>
+      <p:pic>
+        <p:nvPicPr>
+          <p:cNvPr id="12" name="그림 11">
+            <a:extLst>
+              <a:ext uri="{FF2B5EF4-FFF2-40B4-BE49-F238E27FC236}">
+                <a16:creationId xmlns:a16="http://schemas.microsoft.com/office/drawing/2014/main" id="{F10D5B1E-A358-B077-5E0A-A8B355BF3984}"/>
+              </a:ext>
+            </a:extLst>
+          </p:cNvPr>
+          <p:cNvPicPr>
+            <a:picLocks noChangeAspect="1"/>
+          </p:cNvPicPr>
+          <p:nvPr/>
+        </p:nvPicPr>
+        <p:blipFill>
+          <a:blip r:embed="rId6"/>
+          <a:stretch>
+            <a:fillRect/>
+          </a:stretch>
+        </p:blipFill>
+        <p:spPr>
+          <a:xfrm>
+            <a:off x="6470092" y="2017227"/>
+            <a:ext cx="3716258" cy="3260626"/>
+          </a:xfrm>
+          <a:prstGeom prst="rect">
+            <a:avLst/>
+          </a:prstGeom>
+        </p:spPr>
+      </p:pic>
+      <p:pic>
+        <p:nvPicPr>
+          <p:cNvPr id="14" name="그림 13">
+            <a:extLst>
+              <a:ext uri="{FF2B5EF4-FFF2-40B4-BE49-F238E27FC236}">
+                <a16:creationId xmlns:a16="http://schemas.microsoft.com/office/drawing/2014/main" id="{763E38EA-6328-FF00-0B00-76AF5D299A1D}"/>
+              </a:ext>
+            </a:extLst>
+          </p:cNvPr>
+          <p:cNvPicPr>
+            <a:picLocks noChangeAspect="1"/>
+          </p:cNvPicPr>
+          <p:nvPr/>
+        </p:nvPicPr>
+        <p:blipFill>
+          <a:blip r:embed="rId7"/>
+          <a:stretch>
+            <a:fillRect/>
+          </a:stretch>
+        </p:blipFill>
+        <p:spPr>
+          <a:xfrm>
+            <a:off x="6470092" y="5277853"/>
+            <a:ext cx="5601680" cy="1251284"/>
+          </a:xfrm>
+          <a:prstGeom prst="rect">
+            <a:avLst/>
+          </a:prstGeom>
+        </p:spPr>
+      </p:pic>
+    </p:spTree>
+    <p:extLst>
+      <p:ext uri="{BB962C8B-B14F-4D97-AF65-F5344CB8AC3E}">
+        <p14:creationId xmlns:p14="http://schemas.microsoft.com/office/powerpoint/2010/main" val="3544326668"/>
+      </p:ext>
+    </p:extLst>
+  </p:cSld>
+  <p:clrMapOvr>
+    <a:masterClrMapping/>
+  </p:clrMapOvr>
+</p:sld>
+</file>
+
+<file path=ppt/slides/slide16.xml><?xml version="1.0" encoding="utf-8"?>
+<p:sld xmlns:a="http://schemas.openxmlformats.org/drawingml/2006/main" xmlns:r="http://schemas.openxmlformats.org/officeDocument/2006/relationships" xmlns:p="http://schemas.openxmlformats.org/presentationml/2006/main">
+  <p:cSld>
+    <p:spTree>
+      <p:nvGrpSpPr>
+        <p:cNvPr id="1" name=""/>
+        <p:cNvGrpSpPr/>
+        <p:nvPr/>
+      </p:nvGrpSpPr>
+      <p:grpSpPr>
+        <a:xfrm>
+          <a:off x="0" y="0"/>
+          <a:ext cx="0" cy="0"/>
+          <a:chOff x="0" y="0"/>
+          <a:chExt cx="0" cy="0"/>
+        </a:xfrm>
+      </p:grpSpPr>
+      <p:sp>
+        <p:nvSpPr>
+          <p:cNvPr id="2" name="제목 1">
+            <a:extLst>
+              <a:ext uri="{FF2B5EF4-FFF2-40B4-BE49-F238E27FC236}">
+                <a16:creationId xmlns:a16="http://schemas.microsoft.com/office/drawing/2014/main" id="{C6D12A3E-5C44-35C0-57FE-2485E32526B5}"/>
+              </a:ext>
+            </a:extLst>
+          </p:cNvPr>
+          <p:cNvSpPr>
+            <a:spLocks noGrp="1"/>
+          </p:cNvSpPr>
+          <p:nvPr>
+            <p:ph type="title"/>
+          </p:nvPr>
+        </p:nvSpPr>
+        <p:spPr>
+          <a:xfrm>
+            <a:off x="698938" y="0"/>
+            <a:ext cx="9601200" cy="346841"/>
+          </a:xfrm>
+        </p:spPr>
+        <p:txBody>
+          <a:bodyPr>
+            <a:normAutofit/>
+          </a:bodyPr>
+          <a:lstStyle/>
+          <a:p>
+            <a:r>
+              <a:rPr lang="ko-KR" altLang="en-US" sz="1800" dirty="0"/>
+              <a:t>데이터베이스 처리 실습</a:t>
+            </a:r>
+          </a:p>
+        </p:txBody>
+      </p:sp>
+      <p:pic>
+        <p:nvPicPr>
+          <p:cNvPr id="4" name="그림 3">
+            <a:extLst>
+              <a:ext uri="{FF2B5EF4-FFF2-40B4-BE49-F238E27FC236}">
+                <a16:creationId xmlns:a16="http://schemas.microsoft.com/office/drawing/2014/main" id="{F265B50F-E076-E21A-B083-B2B13AC9327E}"/>
+              </a:ext>
+            </a:extLst>
+          </p:cNvPr>
+          <p:cNvPicPr>
+            <a:picLocks noChangeAspect="1"/>
+          </p:cNvPicPr>
+          <p:nvPr/>
+        </p:nvPicPr>
+        <p:blipFill>
+          <a:blip r:embed="rId2"/>
+          <a:stretch>
+            <a:fillRect/>
+          </a:stretch>
+        </p:blipFill>
+        <p:spPr>
+          <a:xfrm>
+            <a:off x="2894815" y="346841"/>
+            <a:ext cx="6402369" cy="1422747"/>
+          </a:xfrm>
+          <a:prstGeom prst="rect">
+            <a:avLst/>
+          </a:prstGeom>
+        </p:spPr>
+      </p:pic>
+      <p:pic>
+        <p:nvPicPr>
+          <p:cNvPr id="6" name="그림 5">
+            <a:extLst>
+              <a:ext uri="{FF2B5EF4-FFF2-40B4-BE49-F238E27FC236}">
+                <a16:creationId xmlns:a16="http://schemas.microsoft.com/office/drawing/2014/main" id="{F3563788-DFBE-4115-8E29-95293FB30C90}"/>
+              </a:ext>
+            </a:extLst>
+          </p:cNvPr>
+          <p:cNvPicPr>
+            <a:picLocks noChangeAspect="1"/>
+          </p:cNvPicPr>
+          <p:nvPr/>
+        </p:nvPicPr>
+        <p:blipFill>
+          <a:blip r:embed="rId3"/>
+          <a:stretch>
+            <a:fillRect/>
+          </a:stretch>
+        </p:blipFill>
+        <p:spPr>
+          <a:xfrm>
+            <a:off x="2894815" y="1769588"/>
+            <a:ext cx="3698490" cy="3541410"/>
+          </a:xfrm>
+          <a:prstGeom prst="rect">
+            <a:avLst/>
+          </a:prstGeom>
+        </p:spPr>
+      </p:pic>
+      <p:pic>
+        <p:nvPicPr>
+          <p:cNvPr id="8" name="그림 7">
+            <a:extLst>
+              <a:ext uri="{FF2B5EF4-FFF2-40B4-BE49-F238E27FC236}">
+                <a16:creationId xmlns:a16="http://schemas.microsoft.com/office/drawing/2014/main" id="{55614EBD-62EA-80B7-0B63-81B483B660DE}"/>
+              </a:ext>
+            </a:extLst>
+          </p:cNvPr>
+          <p:cNvPicPr>
+            <a:picLocks noChangeAspect="1"/>
+          </p:cNvPicPr>
+          <p:nvPr/>
+        </p:nvPicPr>
+        <p:blipFill>
+          <a:blip r:embed="rId4"/>
+          <a:stretch>
+            <a:fillRect/>
+          </a:stretch>
+        </p:blipFill>
+        <p:spPr>
+          <a:xfrm>
+            <a:off x="2894815" y="5310998"/>
+            <a:ext cx="4950406" cy="1547002"/>
+          </a:xfrm>
+          <a:prstGeom prst="rect">
+            <a:avLst/>
+          </a:prstGeom>
+        </p:spPr>
+      </p:pic>
+    </p:spTree>
+    <p:extLst>
+      <p:ext uri="{BB962C8B-B14F-4D97-AF65-F5344CB8AC3E}">
+        <p14:creationId xmlns:p14="http://schemas.microsoft.com/office/powerpoint/2010/main" val="3055511542"/>
+      </p:ext>
+    </p:extLst>
+  </p:cSld>
+  <p:clrMapOvr>
+    <a:masterClrMapping/>
+  </p:clrMapOvr>
+</p:sld>
+</file>
+
+<file path=ppt/slides/slide17.xml><?xml version="1.0" encoding="utf-8"?>
+<p:sld xmlns:a="http://schemas.openxmlformats.org/drawingml/2006/main" xmlns:r="http://schemas.openxmlformats.org/officeDocument/2006/relationships" xmlns:p="http://schemas.openxmlformats.org/presentationml/2006/main">
+  <p:cSld>
+    <p:spTree>
+      <p:nvGrpSpPr>
+        <p:cNvPr id="1" name=""/>
+        <p:cNvGrpSpPr/>
+        <p:nvPr/>
+      </p:nvGrpSpPr>
+      <p:grpSpPr>
+        <a:xfrm>
+          <a:off x="0" y="0"/>
+          <a:ext cx="0" cy="0"/>
+          <a:chOff x="0" y="0"/>
+          <a:chExt cx="0" cy="0"/>
+        </a:xfrm>
+      </p:grpSpPr>
+      <p:sp>
+        <p:nvSpPr>
+          <p:cNvPr id="2" name="제목 1">
+            <a:extLst>
+              <a:ext uri="{FF2B5EF4-FFF2-40B4-BE49-F238E27FC236}">
+                <a16:creationId xmlns:a16="http://schemas.microsoft.com/office/drawing/2014/main" id="{C6D12A3E-5C44-35C0-57FE-2485E32526B5}"/>
+              </a:ext>
+            </a:extLst>
+          </p:cNvPr>
+          <p:cNvSpPr>
+            <a:spLocks noGrp="1"/>
+          </p:cNvSpPr>
+          <p:nvPr>
+            <p:ph type="title"/>
+          </p:nvPr>
+        </p:nvSpPr>
+        <p:spPr>
+          <a:xfrm>
+            <a:off x="698938" y="0"/>
+            <a:ext cx="9601200" cy="346841"/>
+          </a:xfrm>
+        </p:spPr>
+        <p:txBody>
+          <a:bodyPr>
+            <a:normAutofit/>
+          </a:bodyPr>
+          <a:lstStyle/>
+          <a:p>
+            <a:r>
+              <a:rPr lang="ko-KR" altLang="en-US" sz="1800" dirty="0"/>
+              <a:t>데이터베이스 처리 실습</a:t>
+            </a:r>
+          </a:p>
+        </p:txBody>
+      </p:sp>
+      <p:pic>
+        <p:nvPicPr>
+          <p:cNvPr id="4" name="그림 3">
+            <a:extLst>
+              <a:ext uri="{FF2B5EF4-FFF2-40B4-BE49-F238E27FC236}">
+                <a16:creationId xmlns:a16="http://schemas.microsoft.com/office/drawing/2014/main" id="{0893B8B3-F795-DFC8-3016-AD91349E5617}"/>
+              </a:ext>
+            </a:extLst>
+          </p:cNvPr>
+          <p:cNvPicPr>
+            <a:picLocks noChangeAspect="1"/>
+          </p:cNvPicPr>
+          <p:nvPr/>
+        </p:nvPicPr>
+        <p:blipFill>
+          <a:blip r:embed="rId2"/>
+          <a:stretch>
+            <a:fillRect/>
+          </a:stretch>
+        </p:blipFill>
+        <p:spPr>
+          <a:xfrm>
+            <a:off x="0" y="1405850"/>
+            <a:ext cx="5039344" cy="695666"/>
+          </a:xfrm>
+          <a:prstGeom prst="rect">
+            <a:avLst/>
+          </a:prstGeom>
+        </p:spPr>
+      </p:pic>
+      <p:pic>
+        <p:nvPicPr>
+          <p:cNvPr id="6" name="그림 5">
+            <a:extLst>
+              <a:ext uri="{FF2B5EF4-FFF2-40B4-BE49-F238E27FC236}">
+                <a16:creationId xmlns:a16="http://schemas.microsoft.com/office/drawing/2014/main" id="{D0798037-0286-80CF-CFB3-524560ABD4AF}"/>
+              </a:ext>
+            </a:extLst>
+          </p:cNvPr>
+          <p:cNvPicPr>
+            <a:picLocks noChangeAspect="1"/>
+          </p:cNvPicPr>
+          <p:nvPr/>
+        </p:nvPicPr>
+        <p:blipFill>
+          <a:blip r:embed="rId3"/>
+          <a:stretch>
+            <a:fillRect/>
+          </a:stretch>
+        </p:blipFill>
+        <p:spPr>
+          <a:xfrm>
+            <a:off x="-1" y="2101516"/>
+            <a:ext cx="4297201" cy="882316"/>
+          </a:xfrm>
+          <a:prstGeom prst="rect">
+            <a:avLst/>
+          </a:prstGeom>
+        </p:spPr>
+      </p:pic>
+      <p:pic>
+        <p:nvPicPr>
+          <p:cNvPr id="8" name="그림 7">
+            <a:extLst>
+              <a:ext uri="{FF2B5EF4-FFF2-40B4-BE49-F238E27FC236}">
+                <a16:creationId xmlns:a16="http://schemas.microsoft.com/office/drawing/2014/main" id="{44DA9752-014C-F11B-8B75-1E8EA34ABA26}"/>
+              </a:ext>
+            </a:extLst>
+          </p:cNvPr>
+          <p:cNvPicPr>
+            <a:picLocks noChangeAspect="1"/>
+          </p:cNvPicPr>
+          <p:nvPr/>
+        </p:nvPicPr>
+        <p:blipFill>
+          <a:blip r:embed="rId4"/>
+          <a:stretch>
+            <a:fillRect/>
+          </a:stretch>
+        </p:blipFill>
+        <p:spPr>
+          <a:xfrm>
+            <a:off x="-2" y="2983832"/>
+            <a:ext cx="4924504" cy="1235242"/>
+          </a:xfrm>
+          <a:prstGeom prst="rect">
+            <a:avLst/>
+          </a:prstGeom>
+        </p:spPr>
+      </p:pic>
+      <p:pic>
+        <p:nvPicPr>
+          <p:cNvPr id="10" name="그림 9">
+            <a:extLst>
+              <a:ext uri="{FF2B5EF4-FFF2-40B4-BE49-F238E27FC236}">
+                <a16:creationId xmlns:a16="http://schemas.microsoft.com/office/drawing/2014/main" id="{D896FB83-8004-0C63-9623-BDC7E122DF7C}"/>
+              </a:ext>
+            </a:extLst>
+          </p:cNvPr>
+          <p:cNvPicPr>
+            <a:picLocks noChangeAspect="1"/>
+          </p:cNvPicPr>
+          <p:nvPr/>
+        </p:nvPicPr>
+        <p:blipFill>
+          <a:blip r:embed="rId5"/>
+          <a:stretch>
+            <a:fillRect/>
+          </a:stretch>
+        </p:blipFill>
+        <p:spPr>
+          <a:xfrm>
+            <a:off x="5694946" y="1454099"/>
+            <a:ext cx="6497053" cy="602255"/>
+          </a:xfrm>
+          <a:prstGeom prst="rect">
+            <a:avLst/>
+          </a:prstGeom>
+        </p:spPr>
+      </p:pic>
+      <p:pic>
+        <p:nvPicPr>
+          <p:cNvPr id="12" name="그림 11">
+            <a:extLst>
+              <a:ext uri="{FF2B5EF4-FFF2-40B4-BE49-F238E27FC236}">
+                <a16:creationId xmlns:a16="http://schemas.microsoft.com/office/drawing/2014/main" id="{0CDD882F-510B-DAEC-A580-74939EB29941}"/>
+              </a:ext>
+            </a:extLst>
+          </p:cNvPr>
+          <p:cNvPicPr>
+            <a:picLocks noChangeAspect="1"/>
+          </p:cNvPicPr>
+          <p:nvPr/>
+        </p:nvPicPr>
+        <p:blipFill>
+          <a:blip r:embed="rId6"/>
+          <a:stretch>
+            <a:fillRect/>
+          </a:stretch>
+        </p:blipFill>
+        <p:spPr>
+          <a:xfrm>
+            <a:off x="5694945" y="2056353"/>
+            <a:ext cx="3497181" cy="2682952"/>
+          </a:xfrm>
+          <a:prstGeom prst="rect">
+            <a:avLst/>
+          </a:prstGeom>
+        </p:spPr>
+      </p:pic>
+      <p:pic>
+        <p:nvPicPr>
+          <p:cNvPr id="14" name="그림 13">
+            <a:extLst>
+              <a:ext uri="{FF2B5EF4-FFF2-40B4-BE49-F238E27FC236}">
+                <a16:creationId xmlns:a16="http://schemas.microsoft.com/office/drawing/2014/main" id="{DA49194C-83BE-B9A9-61D9-2C1CB11691BF}"/>
+              </a:ext>
+            </a:extLst>
+          </p:cNvPr>
+          <p:cNvPicPr>
+            <a:picLocks noChangeAspect="1"/>
+          </p:cNvPicPr>
+          <p:nvPr/>
+        </p:nvPicPr>
+        <p:blipFill>
+          <a:blip r:embed="rId7"/>
+          <a:stretch>
+            <a:fillRect/>
+          </a:stretch>
+        </p:blipFill>
+        <p:spPr>
+          <a:xfrm>
+            <a:off x="5694945" y="4739305"/>
+            <a:ext cx="5806354" cy="1212316"/>
+          </a:xfrm>
+          <a:prstGeom prst="rect">
+            <a:avLst/>
+          </a:prstGeom>
+        </p:spPr>
+      </p:pic>
+    </p:spTree>
+    <p:extLst>
+      <p:ext uri="{BB962C8B-B14F-4D97-AF65-F5344CB8AC3E}">
+        <p14:creationId xmlns:p14="http://schemas.microsoft.com/office/powerpoint/2010/main" val="582294828"/>
+      </p:ext>
+    </p:extLst>
+  </p:cSld>
+  <p:clrMapOvr>
+    <a:masterClrMapping/>
+  </p:clrMapOvr>
+</p:sld>
+</file>
+
+<file path=ppt/slides/slide18.xml><?xml version="1.0" encoding="utf-8"?>
+<p:sld xmlns:a="http://schemas.openxmlformats.org/drawingml/2006/main" xmlns:r="http://schemas.openxmlformats.org/officeDocument/2006/relationships" xmlns:p="http://schemas.openxmlformats.org/presentationml/2006/main">
+  <p:cSld>
+    <p:spTree>
+      <p:nvGrpSpPr>
+        <p:cNvPr id="1" name=""/>
+        <p:cNvGrpSpPr/>
+        <p:nvPr/>
+      </p:nvGrpSpPr>
+      <p:grpSpPr>
+        <a:xfrm>
+          <a:off x="0" y="0"/>
+          <a:ext cx="0" cy="0"/>
+          <a:chOff x="0" y="0"/>
+          <a:chExt cx="0" cy="0"/>
+        </a:xfrm>
+      </p:grpSpPr>
+      <p:sp>
+        <p:nvSpPr>
+          <p:cNvPr id="2" name="제목 1">
+            <a:extLst>
+              <a:ext uri="{FF2B5EF4-FFF2-40B4-BE49-F238E27FC236}">
+                <a16:creationId xmlns:a16="http://schemas.microsoft.com/office/drawing/2014/main" id="{C6D12A3E-5C44-35C0-57FE-2485E32526B5}"/>
+              </a:ext>
+            </a:extLst>
+          </p:cNvPr>
+          <p:cNvSpPr>
+            <a:spLocks noGrp="1"/>
+          </p:cNvSpPr>
+          <p:nvPr>
+            <p:ph type="title"/>
+          </p:nvPr>
+        </p:nvSpPr>
+        <p:spPr>
+          <a:xfrm>
+            <a:off x="698938" y="0"/>
+            <a:ext cx="9601200" cy="346841"/>
+          </a:xfrm>
+        </p:spPr>
+        <p:txBody>
+          <a:bodyPr>
+            <a:normAutofit/>
+          </a:bodyPr>
+          <a:lstStyle/>
+          <a:p>
+            <a:r>
+              <a:rPr lang="ko-KR" altLang="en-US" sz="1800" dirty="0"/>
+              <a:t>데이터베이스 처리 실습</a:t>
+            </a:r>
+          </a:p>
+        </p:txBody>
+      </p:sp>
+      <p:pic>
+        <p:nvPicPr>
+          <p:cNvPr id="4" name="그림 3">
+            <a:extLst>
+              <a:ext uri="{FF2B5EF4-FFF2-40B4-BE49-F238E27FC236}">
+                <a16:creationId xmlns:a16="http://schemas.microsoft.com/office/drawing/2014/main" id="{EA099C30-42D5-134E-97E2-66011B7AD444}"/>
+              </a:ext>
+            </a:extLst>
+          </p:cNvPr>
+          <p:cNvPicPr>
+            <a:picLocks noChangeAspect="1"/>
+          </p:cNvPicPr>
+          <p:nvPr/>
+        </p:nvPicPr>
+        <p:blipFill>
+          <a:blip r:embed="rId2"/>
+          <a:stretch>
+            <a:fillRect/>
+          </a:stretch>
+        </p:blipFill>
+        <p:spPr>
+          <a:xfrm>
+            <a:off x="0" y="818642"/>
+            <a:ext cx="4778911" cy="577021"/>
+          </a:xfrm>
+          <a:prstGeom prst="rect">
+            <a:avLst/>
+          </a:prstGeom>
+        </p:spPr>
+      </p:pic>
+      <p:pic>
+        <p:nvPicPr>
+          <p:cNvPr id="6" name="그림 5">
+            <a:extLst>
+              <a:ext uri="{FF2B5EF4-FFF2-40B4-BE49-F238E27FC236}">
+                <a16:creationId xmlns:a16="http://schemas.microsoft.com/office/drawing/2014/main" id="{D6DE82E9-6D21-D447-18AE-964CAA25660E}"/>
+              </a:ext>
+            </a:extLst>
+          </p:cNvPr>
+          <p:cNvPicPr>
+            <a:picLocks noChangeAspect="1"/>
+          </p:cNvPicPr>
+          <p:nvPr/>
+        </p:nvPicPr>
+        <p:blipFill>
+          <a:blip r:embed="rId3"/>
+          <a:stretch>
+            <a:fillRect/>
+          </a:stretch>
+        </p:blipFill>
+        <p:spPr>
+          <a:xfrm>
+            <a:off x="0" y="1395663"/>
+            <a:ext cx="3862868" cy="2614863"/>
+          </a:xfrm>
+          <a:prstGeom prst="rect">
+            <a:avLst/>
+          </a:prstGeom>
+        </p:spPr>
+      </p:pic>
+      <p:pic>
+        <p:nvPicPr>
+          <p:cNvPr id="8" name="그림 7">
+            <a:extLst>
+              <a:ext uri="{FF2B5EF4-FFF2-40B4-BE49-F238E27FC236}">
+                <a16:creationId xmlns:a16="http://schemas.microsoft.com/office/drawing/2014/main" id="{962D2D2B-98FF-F9C3-B380-1F48FCF0C0FF}"/>
+              </a:ext>
+            </a:extLst>
+          </p:cNvPr>
+          <p:cNvPicPr>
+            <a:picLocks noChangeAspect="1"/>
+          </p:cNvPicPr>
+          <p:nvPr/>
+        </p:nvPicPr>
+        <p:blipFill>
+          <a:blip r:embed="rId4"/>
+          <a:stretch>
+            <a:fillRect/>
+          </a:stretch>
+        </p:blipFill>
+        <p:spPr>
+          <a:xfrm>
+            <a:off x="0" y="4010526"/>
+            <a:ext cx="4640012" cy="1090863"/>
+          </a:xfrm>
+          <a:prstGeom prst="rect">
+            <a:avLst/>
+          </a:prstGeom>
+        </p:spPr>
+      </p:pic>
+      <p:pic>
+        <p:nvPicPr>
+          <p:cNvPr id="10" name="그림 9">
+            <a:extLst>
+              <a:ext uri="{FF2B5EF4-FFF2-40B4-BE49-F238E27FC236}">
+                <a16:creationId xmlns:a16="http://schemas.microsoft.com/office/drawing/2014/main" id="{1B176A37-618F-F796-AD3F-49D023363A8B}"/>
+              </a:ext>
+            </a:extLst>
+          </p:cNvPr>
+          <p:cNvPicPr>
+            <a:picLocks noChangeAspect="1"/>
+          </p:cNvPicPr>
+          <p:nvPr/>
+        </p:nvPicPr>
+        <p:blipFill>
+          <a:blip r:embed="rId5"/>
+          <a:stretch>
+            <a:fillRect/>
+          </a:stretch>
+        </p:blipFill>
+        <p:spPr>
+          <a:xfrm>
+            <a:off x="5499537" y="818642"/>
+            <a:ext cx="6588465" cy="1042242"/>
+          </a:xfrm>
+          <a:prstGeom prst="rect">
+            <a:avLst/>
+          </a:prstGeom>
+        </p:spPr>
+      </p:pic>
+      <p:pic>
+        <p:nvPicPr>
+          <p:cNvPr id="12" name="그림 11">
+            <a:extLst>
+              <a:ext uri="{FF2B5EF4-FFF2-40B4-BE49-F238E27FC236}">
+                <a16:creationId xmlns:a16="http://schemas.microsoft.com/office/drawing/2014/main" id="{62CEEA52-BA56-4FD5-035F-C0CA30E7489E}"/>
+              </a:ext>
+            </a:extLst>
+          </p:cNvPr>
+          <p:cNvPicPr>
+            <a:picLocks noChangeAspect="1"/>
+          </p:cNvPicPr>
+          <p:nvPr/>
+        </p:nvPicPr>
+        <p:blipFill>
+          <a:blip r:embed="rId6"/>
+          <a:stretch>
+            <a:fillRect/>
+          </a:stretch>
+        </p:blipFill>
+        <p:spPr>
+          <a:xfrm>
+            <a:off x="5499537" y="1860884"/>
+            <a:ext cx="4852732" cy="882316"/>
+          </a:xfrm>
+          <a:prstGeom prst="rect">
+            <a:avLst/>
+          </a:prstGeom>
+        </p:spPr>
+      </p:pic>
+      <p:pic>
+        <p:nvPicPr>
+          <p:cNvPr id="14" name="그림 13">
+            <a:extLst>
+              <a:ext uri="{FF2B5EF4-FFF2-40B4-BE49-F238E27FC236}">
+                <a16:creationId xmlns:a16="http://schemas.microsoft.com/office/drawing/2014/main" id="{99A70182-19CF-0DAE-619E-BD5474CDEB21}"/>
+              </a:ext>
+            </a:extLst>
+          </p:cNvPr>
+          <p:cNvPicPr>
+            <a:picLocks noChangeAspect="1"/>
+          </p:cNvPicPr>
+          <p:nvPr/>
+        </p:nvPicPr>
+        <p:blipFill>
+          <a:blip r:embed="rId7"/>
+          <a:stretch>
+            <a:fillRect/>
+          </a:stretch>
+        </p:blipFill>
+        <p:spPr>
+          <a:xfrm>
+            <a:off x="5499537" y="2743200"/>
+            <a:ext cx="5463486" cy="1540042"/>
+          </a:xfrm>
+          <a:prstGeom prst="rect">
+            <a:avLst/>
+          </a:prstGeom>
+        </p:spPr>
+      </p:pic>
+    </p:spTree>
+    <p:extLst>
+      <p:ext uri="{BB962C8B-B14F-4D97-AF65-F5344CB8AC3E}">
+        <p14:creationId xmlns:p14="http://schemas.microsoft.com/office/powerpoint/2010/main" val="1046774082"/>
+      </p:ext>
+    </p:extLst>
+  </p:cSld>
+  <p:clrMapOvr>
+    <a:masterClrMapping/>
+  </p:clrMapOvr>
+</p:sld>
+</file>
+
+<file path=ppt/slides/slide19.xml><?xml version="1.0" encoding="utf-8"?>
+<p:sld xmlns:a="http://schemas.openxmlformats.org/drawingml/2006/main" xmlns:r="http://schemas.openxmlformats.org/officeDocument/2006/relationships" xmlns:p="http://schemas.openxmlformats.org/presentationml/2006/main">
+  <p:cSld>
+    <p:spTree>
+      <p:nvGrpSpPr>
+        <p:cNvPr id="1" name=""/>
+        <p:cNvGrpSpPr/>
+        <p:nvPr/>
+      </p:nvGrpSpPr>
+      <p:grpSpPr>
+        <a:xfrm>
+          <a:off x="0" y="0"/>
+          <a:ext cx="0" cy="0"/>
+          <a:chOff x="0" y="0"/>
+          <a:chExt cx="0" cy="0"/>
+        </a:xfrm>
+      </p:grpSpPr>
+      <p:sp>
+        <p:nvSpPr>
+          <p:cNvPr id="2" name="제목 1">
+            <a:extLst>
+              <a:ext uri="{FF2B5EF4-FFF2-40B4-BE49-F238E27FC236}">
+                <a16:creationId xmlns:a16="http://schemas.microsoft.com/office/drawing/2014/main" id="{C6D12A3E-5C44-35C0-57FE-2485E32526B5}"/>
+              </a:ext>
+            </a:extLst>
+          </p:cNvPr>
+          <p:cNvSpPr>
+            <a:spLocks noGrp="1"/>
+          </p:cNvSpPr>
+          <p:nvPr>
+            <p:ph type="title"/>
+          </p:nvPr>
+        </p:nvSpPr>
+        <p:spPr>
+          <a:xfrm>
+            <a:off x="698938" y="0"/>
+            <a:ext cx="9601200" cy="346841"/>
+          </a:xfrm>
+        </p:spPr>
+        <p:txBody>
+          <a:bodyPr>
+            <a:normAutofit/>
+          </a:bodyPr>
+          <a:lstStyle/>
+          <a:p>
+            <a:r>
+              <a:rPr lang="ko-KR" altLang="en-US" sz="1800" dirty="0"/>
+              <a:t>데이터베이스 처리 실습</a:t>
+            </a:r>
+          </a:p>
+        </p:txBody>
+      </p:sp>
+      <p:pic>
+        <p:nvPicPr>
+          <p:cNvPr id="4" name="그림 3">
+            <a:extLst>
+              <a:ext uri="{FF2B5EF4-FFF2-40B4-BE49-F238E27FC236}">
+                <a16:creationId xmlns:a16="http://schemas.microsoft.com/office/drawing/2014/main" id="{257B763F-D2BC-D897-BF8B-64EAEEEF5325}"/>
+              </a:ext>
+            </a:extLst>
+          </p:cNvPr>
+          <p:cNvPicPr>
+            <a:picLocks noChangeAspect="1"/>
+          </p:cNvPicPr>
+          <p:nvPr/>
+        </p:nvPicPr>
+        <p:blipFill>
+          <a:blip r:embed="rId2"/>
+          <a:stretch>
+            <a:fillRect/>
+          </a:stretch>
+        </p:blipFill>
+        <p:spPr>
+          <a:xfrm>
+            <a:off x="0" y="1388807"/>
+            <a:ext cx="4225895" cy="1134156"/>
+          </a:xfrm>
+          <a:prstGeom prst="rect">
+            <a:avLst/>
+          </a:prstGeom>
+        </p:spPr>
+      </p:pic>
+      <p:pic>
+        <p:nvPicPr>
+          <p:cNvPr id="6" name="그림 5">
+            <a:extLst>
+              <a:ext uri="{FF2B5EF4-FFF2-40B4-BE49-F238E27FC236}">
+                <a16:creationId xmlns:a16="http://schemas.microsoft.com/office/drawing/2014/main" id="{92D53EC3-160F-BAB7-E9D9-F7505E679107}"/>
+              </a:ext>
+            </a:extLst>
+          </p:cNvPr>
+          <p:cNvPicPr>
+            <a:picLocks noChangeAspect="1"/>
+          </p:cNvPicPr>
+          <p:nvPr/>
+        </p:nvPicPr>
+        <p:blipFill>
+          <a:blip r:embed="rId3"/>
+          <a:stretch>
+            <a:fillRect/>
+          </a:stretch>
+        </p:blipFill>
+        <p:spPr>
+          <a:xfrm>
+            <a:off x="0" y="2522963"/>
+            <a:ext cx="3796441" cy="2225500"/>
+          </a:xfrm>
+          <a:prstGeom prst="rect">
+            <a:avLst/>
+          </a:prstGeom>
+        </p:spPr>
+      </p:pic>
+      <p:pic>
+        <p:nvPicPr>
+          <p:cNvPr id="8" name="그림 7">
+            <a:extLst>
+              <a:ext uri="{FF2B5EF4-FFF2-40B4-BE49-F238E27FC236}">
+                <a16:creationId xmlns:a16="http://schemas.microsoft.com/office/drawing/2014/main" id="{BA658705-A509-B2DD-3DEF-6F01CE80EB1B}"/>
+              </a:ext>
+            </a:extLst>
+          </p:cNvPr>
+          <p:cNvPicPr>
+            <a:picLocks noChangeAspect="1"/>
+          </p:cNvPicPr>
+          <p:nvPr/>
+        </p:nvPicPr>
+        <p:blipFill>
+          <a:blip r:embed="rId4"/>
+          <a:stretch>
+            <a:fillRect/>
+          </a:stretch>
+        </p:blipFill>
+        <p:spPr>
+          <a:xfrm>
+            <a:off x="-13228" y="4748462"/>
+            <a:ext cx="4551168" cy="1315453"/>
+          </a:xfrm>
+          <a:prstGeom prst="rect">
+            <a:avLst/>
+          </a:prstGeom>
+        </p:spPr>
+      </p:pic>
+      <p:pic>
+        <p:nvPicPr>
+          <p:cNvPr id="10" name="그림 9">
+            <a:extLst>
+              <a:ext uri="{FF2B5EF4-FFF2-40B4-BE49-F238E27FC236}">
+                <a16:creationId xmlns:a16="http://schemas.microsoft.com/office/drawing/2014/main" id="{5D43B455-6D50-B85A-DB67-86E9D16BDDBC}"/>
+              </a:ext>
+            </a:extLst>
+          </p:cNvPr>
+          <p:cNvPicPr>
+            <a:picLocks noChangeAspect="1"/>
+          </p:cNvPicPr>
+          <p:nvPr/>
+        </p:nvPicPr>
+        <p:blipFill>
+          <a:blip r:embed="rId5"/>
+          <a:stretch>
+            <a:fillRect/>
+          </a:stretch>
+        </p:blipFill>
+        <p:spPr>
+          <a:xfrm>
+            <a:off x="5845098" y="1388807"/>
+            <a:ext cx="5696208" cy="1466688"/>
+          </a:xfrm>
+          <a:prstGeom prst="rect">
+            <a:avLst/>
+          </a:prstGeom>
+        </p:spPr>
+      </p:pic>
+      <p:pic>
+        <p:nvPicPr>
+          <p:cNvPr id="12" name="그림 11">
+            <a:extLst>
+              <a:ext uri="{FF2B5EF4-FFF2-40B4-BE49-F238E27FC236}">
+                <a16:creationId xmlns:a16="http://schemas.microsoft.com/office/drawing/2014/main" id="{BDFCDFE2-DAAB-3077-7C8E-0818AC6BEF72}"/>
+              </a:ext>
+            </a:extLst>
+          </p:cNvPr>
+          <p:cNvPicPr>
+            <a:picLocks noChangeAspect="1"/>
+          </p:cNvPicPr>
+          <p:nvPr/>
+        </p:nvPicPr>
+        <p:blipFill>
+          <a:blip r:embed="rId6"/>
+          <a:stretch>
+            <a:fillRect/>
+          </a:stretch>
+        </p:blipFill>
+        <p:spPr>
+          <a:xfrm>
+            <a:off x="5845097" y="2855495"/>
+            <a:ext cx="4300207" cy="850231"/>
+          </a:xfrm>
+          <a:prstGeom prst="rect">
+            <a:avLst/>
+          </a:prstGeom>
+        </p:spPr>
+      </p:pic>
+      <p:pic>
+        <p:nvPicPr>
+          <p:cNvPr id="14" name="그림 13">
+            <a:extLst>
+              <a:ext uri="{FF2B5EF4-FFF2-40B4-BE49-F238E27FC236}">
+                <a16:creationId xmlns:a16="http://schemas.microsoft.com/office/drawing/2014/main" id="{1A085D87-B69B-81C8-33C2-4FC4C9F6CAE3}"/>
+              </a:ext>
+            </a:extLst>
+          </p:cNvPr>
+          <p:cNvPicPr>
+            <a:picLocks noChangeAspect="1"/>
+          </p:cNvPicPr>
+          <p:nvPr/>
+        </p:nvPicPr>
+        <p:blipFill>
+          <a:blip r:embed="rId7"/>
+          <a:stretch>
+            <a:fillRect/>
+          </a:stretch>
+        </p:blipFill>
+        <p:spPr>
+          <a:xfrm>
+            <a:off x="5845096" y="3705726"/>
+            <a:ext cx="5861952" cy="1658423"/>
+          </a:xfrm>
+          <a:prstGeom prst="rect">
+            <a:avLst/>
+          </a:prstGeom>
+        </p:spPr>
+      </p:pic>
+    </p:spTree>
+    <p:extLst>
+      <p:ext uri="{BB962C8B-B14F-4D97-AF65-F5344CB8AC3E}">
+        <p14:creationId xmlns:p14="http://schemas.microsoft.com/office/powerpoint/2010/main" val="3059259775"/>
       </p:ext>
     </p:extLst>
   </p:cSld>
@@ -4513,6 +7232,1203 @@
     <p:extLst>
       <p:ext uri="{BB962C8B-B14F-4D97-AF65-F5344CB8AC3E}">
         <p14:creationId xmlns:p14="http://schemas.microsoft.com/office/powerpoint/2010/main" val="3097691212"/>
+      </p:ext>
+    </p:extLst>
+  </p:cSld>
+  <p:clrMapOvr>
+    <a:masterClrMapping/>
+  </p:clrMapOvr>
+</p:sld>
+</file>
+
+<file path=ppt/slides/slide20.xml><?xml version="1.0" encoding="utf-8"?>
+<p:sld xmlns:a="http://schemas.openxmlformats.org/drawingml/2006/main" xmlns:r="http://schemas.openxmlformats.org/officeDocument/2006/relationships" xmlns:p="http://schemas.openxmlformats.org/presentationml/2006/main">
+  <p:cSld>
+    <p:spTree>
+      <p:nvGrpSpPr>
+        <p:cNvPr id="1" name=""/>
+        <p:cNvGrpSpPr/>
+        <p:nvPr/>
+      </p:nvGrpSpPr>
+      <p:grpSpPr>
+        <a:xfrm>
+          <a:off x="0" y="0"/>
+          <a:ext cx="0" cy="0"/>
+          <a:chOff x="0" y="0"/>
+          <a:chExt cx="0" cy="0"/>
+        </a:xfrm>
+      </p:grpSpPr>
+      <p:sp>
+        <p:nvSpPr>
+          <p:cNvPr id="2" name="제목 1">
+            <a:extLst>
+              <a:ext uri="{FF2B5EF4-FFF2-40B4-BE49-F238E27FC236}">
+                <a16:creationId xmlns:a16="http://schemas.microsoft.com/office/drawing/2014/main" id="{C6D12A3E-5C44-35C0-57FE-2485E32526B5}"/>
+              </a:ext>
+            </a:extLst>
+          </p:cNvPr>
+          <p:cNvSpPr>
+            <a:spLocks noGrp="1"/>
+          </p:cNvSpPr>
+          <p:nvPr>
+            <p:ph type="title"/>
+          </p:nvPr>
+        </p:nvSpPr>
+        <p:spPr>
+          <a:xfrm>
+            <a:off x="698938" y="0"/>
+            <a:ext cx="9601200" cy="346841"/>
+          </a:xfrm>
+        </p:spPr>
+        <p:txBody>
+          <a:bodyPr>
+            <a:normAutofit/>
+          </a:bodyPr>
+          <a:lstStyle/>
+          <a:p>
+            <a:r>
+              <a:rPr lang="ko-KR" altLang="en-US" sz="1800" dirty="0"/>
+              <a:t>데이터베이스 처리 실습</a:t>
+            </a:r>
+          </a:p>
+        </p:txBody>
+      </p:sp>
+      <p:pic>
+        <p:nvPicPr>
+          <p:cNvPr id="4" name="그림 3">
+            <a:extLst>
+              <a:ext uri="{FF2B5EF4-FFF2-40B4-BE49-F238E27FC236}">
+                <a16:creationId xmlns:a16="http://schemas.microsoft.com/office/drawing/2014/main" id="{C5264B7D-BF21-1642-D2D1-70BB7DB89A8D}"/>
+              </a:ext>
+            </a:extLst>
+          </p:cNvPr>
+          <p:cNvPicPr>
+            <a:picLocks noChangeAspect="1"/>
+          </p:cNvPicPr>
+          <p:nvPr/>
+        </p:nvPicPr>
+        <p:blipFill>
+          <a:blip r:embed="rId2"/>
+          <a:stretch>
+            <a:fillRect/>
+          </a:stretch>
+        </p:blipFill>
+        <p:spPr>
+          <a:xfrm>
+            <a:off x="-1" y="828832"/>
+            <a:ext cx="4669455" cy="871631"/>
+          </a:xfrm>
+          <a:prstGeom prst="rect">
+            <a:avLst/>
+          </a:prstGeom>
+        </p:spPr>
+      </p:pic>
+      <p:pic>
+        <p:nvPicPr>
+          <p:cNvPr id="6" name="그림 5">
+            <a:extLst>
+              <a:ext uri="{FF2B5EF4-FFF2-40B4-BE49-F238E27FC236}">
+                <a16:creationId xmlns:a16="http://schemas.microsoft.com/office/drawing/2014/main" id="{7AC91FE5-B4DD-C0B5-A635-83907F18787C}"/>
+              </a:ext>
+            </a:extLst>
+          </p:cNvPr>
+          <p:cNvPicPr>
+            <a:picLocks noChangeAspect="1"/>
+          </p:cNvPicPr>
+          <p:nvPr/>
+        </p:nvPicPr>
+        <p:blipFill>
+          <a:blip r:embed="rId3"/>
+          <a:stretch>
+            <a:fillRect/>
+          </a:stretch>
+        </p:blipFill>
+        <p:spPr>
+          <a:xfrm>
+            <a:off x="0" y="1700463"/>
+            <a:ext cx="3432313" cy="3352800"/>
+          </a:xfrm>
+          <a:prstGeom prst="rect">
+            <a:avLst/>
+          </a:prstGeom>
+        </p:spPr>
+      </p:pic>
+      <p:pic>
+        <p:nvPicPr>
+          <p:cNvPr id="8" name="그림 7">
+            <a:extLst>
+              <a:ext uri="{FF2B5EF4-FFF2-40B4-BE49-F238E27FC236}">
+                <a16:creationId xmlns:a16="http://schemas.microsoft.com/office/drawing/2014/main" id="{DF664002-1B10-3138-D798-C3DBA17EC112}"/>
+              </a:ext>
+            </a:extLst>
+          </p:cNvPr>
+          <p:cNvPicPr>
+            <a:picLocks noChangeAspect="1"/>
+          </p:cNvPicPr>
+          <p:nvPr/>
+        </p:nvPicPr>
+        <p:blipFill>
+          <a:blip r:embed="rId4"/>
+          <a:stretch>
+            <a:fillRect/>
+          </a:stretch>
+        </p:blipFill>
+        <p:spPr>
+          <a:xfrm>
+            <a:off x="0" y="5053263"/>
+            <a:ext cx="4686720" cy="1203158"/>
+          </a:xfrm>
+          <a:prstGeom prst="rect">
+            <a:avLst/>
+          </a:prstGeom>
+        </p:spPr>
+      </p:pic>
+      <p:pic>
+        <p:nvPicPr>
+          <p:cNvPr id="10" name="그림 9">
+            <a:extLst>
+              <a:ext uri="{FF2B5EF4-FFF2-40B4-BE49-F238E27FC236}">
+                <a16:creationId xmlns:a16="http://schemas.microsoft.com/office/drawing/2014/main" id="{8F9169AF-CD67-CC42-C56F-FF4169A6A794}"/>
+              </a:ext>
+            </a:extLst>
+          </p:cNvPr>
+          <p:cNvPicPr>
+            <a:picLocks noChangeAspect="1"/>
+          </p:cNvPicPr>
+          <p:nvPr/>
+        </p:nvPicPr>
+        <p:blipFill>
+          <a:blip r:embed="rId5"/>
+          <a:stretch>
+            <a:fillRect/>
+          </a:stretch>
+        </p:blipFill>
+        <p:spPr>
+          <a:xfrm>
+            <a:off x="6096000" y="828831"/>
+            <a:ext cx="4685020" cy="871631"/>
+          </a:xfrm>
+          <a:prstGeom prst="rect">
+            <a:avLst/>
+          </a:prstGeom>
+        </p:spPr>
+      </p:pic>
+      <p:pic>
+        <p:nvPicPr>
+          <p:cNvPr id="12" name="그림 11">
+            <a:extLst>
+              <a:ext uri="{FF2B5EF4-FFF2-40B4-BE49-F238E27FC236}">
+                <a16:creationId xmlns:a16="http://schemas.microsoft.com/office/drawing/2014/main" id="{E29BD15C-0944-3B5A-9FF6-AC6504CA696B}"/>
+              </a:ext>
+            </a:extLst>
+          </p:cNvPr>
+          <p:cNvPicPr>
+            <a:picLocks noChangeAspect="1"/>
+          </p:cNvPicPr>
+          <p:nvPr/>
+        </p:nvPicPr>
+        <p:blipFill>
+          <a:blip r:embed="rId6"/>
+          <a:stretch>
+            <a:fillRect/>
+          </a:stretch>
+        </p:blipFill>
+        <p:spPr>
+          <a:xfrm>
+            <a:off x="6095999" y="1700462"/>
+            <a:ext cx="3748109" cy="3352800"/>
+          </a:xfrm>
+          <a:prstGeom prst="rect">
+            <a:avLst/>
+          </a:prstGeom>
+        </p:spPr>
+      </p:pic>
+      <p:pic>
+        <p:nvPicPr>
+          <p:cNvPr id="14" name="그림 13">
+            <a:extLst>
+              <a:ext uri="{FF2B5EF4-FFF2-40B4-BE49-F238E27FC236}">
+                <a16:creationId xmlns:a16="http://schemas.microsoft.com/office/drawing/2014/main" id="{803BB792-B552-B55E-3BA9-7DBF013D2A45}"/>
+              </a:ext>
+            </a:extLst>
+          </p:cNvPr>
+          <p:cNvPicPr>
+            <a:picLocks noChangeAspect="1"/>
+          </p:cNvPicPr>
+          <p:nvPr/>
+        </p:nvPicPr>
+        <p:blipFill>
+          <a:blip r:embed="rId7"/>
+          <a:stretch>
+            <a:fillRect/>
+          </a:stretch>
+        </p:blipFill>
+        <p:spPr>
+          <a:xfrm>
+            <a:off x="6095998" y="5053261"/>
+            <a:ext cx="4395633" cy="1353621"/>
+          </a:xfrm>
+          <a:prstGeom prst="rect">
+            <a:avLst/>
+          </a:prstGeom>
+        </p:spPr>
+      </p:pic>
+    </p:spTree>
+    <p:extLst>
+      <p:ext uri="{BB962C8B-B14F-4D97-AF65-F5344CB8AC3E}">
+        <p14:creationId xmlns:p14="http://schemas.microsoft.com/office/powerpoint/2010/main" val="1999508166"/>
+      </p:ext>
+    </p:extLst>
+  </p:cSld>
+  <p:clrMapOvr>
+    <a:masterClrMapping/>
+  </p:clrMapOvr>
+</p:sld>
+</file>
+
+<file path=ppt/slides/slide21.xml><?xml version="1.0" encoding="utf-8"?>
+<p:sld xmlns:a="http://schemas.openxmlformats.org/drawingml/2006/main" xmlns:r="http://schemas.openxmlformats.org/officeDocument/2006/relationships" xmlns:p="http://schemas.openxmlformats.org/presentationml/2006/main">
+  <p:cSld>
+    <p:spTree>
+      <p:nvGrpSpPr>
+        <p:cNvPr id="1" name=""/>
+        <p:cNvGrpSpPr/>
+        <p:nvPr/>
+      </p:nvGrpSpPr>
+      <p:grpSpPr>
+        <a:xfrm>
+          <a:off x="0" y="0"/>
+          <a:ext cx="0" cy="0"/>
+          <a:chOff x="0" y="0"/>
+          <a:chExt cx="0" cy="0"/>
+        </a:xfrm>
+      </p:grpSpPr>
+      <p:sp>
+        <p:nvSpPr>
+          <p:cNvPr id="2" name="제목 1">
+            <a:extLst>
+              <a:ext uri="{FF2B5EF4-FFF2-40B4-BE49-F238E27FC236}">
+                <a16:creationId xmlns:a16="http://schemas.microsoft.com/office/drawing/2014/main" id="{C6D12A3E-5C44-35C0-57FE-2485E32526B5}"/>
+              </a:ext>
+            </a:extLst>
+          </p:cNvPr>
+          <p:cNvSpPr>
+            <a:spLocks noGrp="1"/>
+          </p:cNvSpPr>
+          <p:nvPr>
+            <p:ph type="title"/>
+          </p:nvPr>
+        </p:nvSpPr>
+        <p:spPr>
+          <a:xfrm>
+            <a:off x="698938" y="0"/>
+            <a:ext cx="9601200" cy="346841"/>
+          </a:xfrm>
+        </p:spPr>
+        <p:txBody>
+          <a:bodyPr>
+            <a:normAutofit/>
+          </a:bodyPr>
+          <a:lstStyle/>
+          <a:p>
+            <a:r>
+              <a:rPr lang="ko-KR" altLang="en-US" sz="1800" dirty="0" err="1"/>
+              <a:t>파이썬에서</a:t>
+            </a:r>
+            <a:r>
+              <a:rPr lang="ko-KR" altLang="en-US" sz="1800" dirty="0"/>
+              <a:t> </a:t>
+            </a:r>
+            <a:r>
+              <a:rPr lang="en-US" altLang="ko-KR" sz="1800" dirty="0"/>
+              <a:t>sqlite3 </a:t>
+            </a:r>
+            <a:r>
+              <a:rPr lang="ko-KR" altLang="en-US" sz="1800" dirty="0"/>
+              <a:t>사용 </a:t>
+            </a:r>
+            <a:r>
+              <a:rPr lang="en-US" altLang="ko-KR" sz="1800" dirty="0"/>
+              <a:t>– </a:t>
+            </a:r>
+            <a:r>
+              <a:rPr lang="ko-KR" altLang="en-US" sz="1800" dirty="0"/>
+              <a:t>테이블 생성</a:t>
+            </a:r>
+            <a:r>
+              <a:rPr lang="en-US" altLang="ko-KR" sz="1800" dirty="0"/>
+              <a:t>,</a:t>
+            </a:r>
+            <a:r>
+              <a:rPr lang="ko-KR" altLang="en-US" sz="1800" dirty="0"/>
+              <a:t>삭제</a:t>
+            </a:r>
+          </a:p>
+        </p:txBody>
+      </p:sp>
+      <p:pic>
+        <p:nvPicPr>
+          <p:cNvPr id="4" name="그림 3">
+            <a:extLst>
+              <a:ext uri="{FF2B5EF4-FFF2-40B4-BE49-F238E27FC236}">
+                <a16:creationId xmlns:a16="http://schemas.microsoft.com/office/drawing/2014/main" id="{1C2B11E7-6B2E-7957-C1B5-98D012E0F275}"/>
+              </a:ext>
+            </a:extLst>
+          </p:cNvPr>
+          <p:cNvPicPr>
+            <a:picLocks noChangeAspect="1"/>
+          </p:cNvPicPr>
+          <p:nvPr/>
+        </p:nvPicPr>
+        <p:blipFill>
+          <a:blip r:embed="rId2"/>
+          <a:stretch>
+            <a:fillRect/>
+          </a:stretch>
+        </p:blipFill>
+        <p:spPr>
+          <a:xfrm>
+            <a:off x="0" y="575651"/>
+            <a:ext cx="5441196" cy="2023171"/>
+          </a:xfrm>
+          <a:prstGeom prst="rect">
+            <a:avLst/>
+          </a:prstGeom>
+        </p:spPr>
+      </p:pic>
+      <p:pic>
+        <p:nvPicPr>
+          <p:cNvPr id="6" name="그림 5">
+            <a:extLst>
+              <a:ext uri="{FF2B5EF4-FFF2-40B4-BE49-F238E27FC236}">
+                <a16:creationId xmlns:a16="http://schemas.microsoft.com/office/drawing/2014/main" id="{AC8FFC4C-8117-C8EB-77E0-8C8120540C0A}"/>
+              </a:ext>
+            </a:extLst>
+          </p:cNvPr>
+          <p:cNvPicPr>
+            <a:picLocks noChangeAspect="1"/>
+          </p:cNvPicPr>
+          <p:nvPr/>
+        </p:nvPicPr>
+        <p:blipFill>
+          <a:blip r:embed="rId3"/>
+          <a:stretch>
+            <a:fillRect/>
+          </a:stretch>
+        </p:blipFill>
+        <p:spPr>
+          <a:xfrm>
+            <a:off x="6750806" y="575651"/>
+            <a:ext cx="4867171" cy="2023171"/>
+          </a:xfrm>
+          <a:prstGeom prst="rect">
+            <a:avLst/>
+          </a:prstGeom>
+        </p:spPr>
+      </p:pic>
+      <p:pic>
+        <p:nvPicPr>
+          <p:cNvPr id="8" name="그림 7">
+            <a:extLst>
+              <a:ext uri="{FF2B5EF4-FFF2-40B4-BE49-F238E27FC236}">
+                <a16:creationId xmlns:a16="http://schemas.microsoft.com/office/drawing/2014/main" id="{C49CE079-1240-1356-F62C-DD9202209EB8}"/>
+              </a:ext>
+            </a:extLst>
+          </p:cNvPr>
+          <p:cNvPicPr>
+            <a:picLocks noChangeAspect="1"/>
+          </p:cNvPicPr>
+          <p:nvPr/>
+        </p:nvPicPr>
+        <p:blipFill>
+          <a:blip r:embed="rId4"/>
+          <a:stretch>
+            <a:fillRect/>
+          </a:stretch>
+        </p:blipFill>
+        <p:spPr>
+          <a:xfrm>
+            <a:off x="0" y="3818021"/>
+            <a:ext cx="6589153" cy="3039979"/>
+          </a:xfrm>
+          <a:prstGeom prst="rect">
+            <a:avLst/>
+          </a:prstGeom>
+        </p:spPr>
+      </p:pic>
+      <p:pic>
+        <p:nvPicPr>
+          <p:cNvPr id="10" name="그림 9">
+            <a:extLst>
+              <a:ext uri="{FF2B5EF4-FFF2-40B4-BE49-F238E27FC236}">
+                <a16:creationId xmlns:a16="http://schemas.microsoft.com/office/drawing/2014/main" id="{C32FEA53-69A7-B816-8901-5C970AFB70D7}"/>
+              </a:ext>
+            </a:extLst>
+          </p:cNvPr>
+          <p:cNvPicPr>
+            <a:picLocks noChangeAspect="1"/>
+          </p:cNvPicPr>
+          <p:nvPr/>
+        </p:nvPicPr>
+        <p:blipFill>
+          <a:blip r:embed="rId5"/>
+          <a:stretch>
+            <a:fillRect/>
+          </a:stretch>
+        </p:blipFill>
+        <p:spPr>
+          <a:xfrm>
+            <a:off x="6757257" y="4760114"/>
+            <a:ext cx="5434743" cy="1134079"/>
+          </a:xfrm>
+          <a:prstGeom prst="rect">
+            <a:avLst/>
+          </a:prstGeom>
+        </p:spPr>
+      </p:pic>
+    </p:spTree>
+    <p:extLst>
+      <p:ext uri="{BB962C8B-B14F-4D97-AF65-F5344CB8AC3E}">
+        <p14:creationId xmlns:p14="http://schemas.microsoft.com/office/powerpoint/2010/main" val="2157426118"/>
+      </p:ext>
+    </p:extLst>
+  </p:cSld>
+  <p:clrMapOvr>
+    <a:masterClrMapping/>
+  </p:clrMapOvr>
+</p:sld>
+</file>
+
+<file path=ppt/slides/slide22.xml><?xml version="1.0" encoding="utf-8"?>
+<p:sld xmlns:a="http://schemas.openxmlformats.org/drawingml/2006/main" xmlns:r="http://schemas.openxmlformats.org/officeDocument/2006/relationships" xmlns:p="http://schemas.openxmlformats.org/presentationml/2006/main">
+  <p:cSld>
+    <p:spTree>
+      <p:nvGrpSpPr>
+        <p:cNvPr id="1" name=""/>
+        <p:cNvGrpSpPr/>
+        <p:nvPr/>
+      </p:nvGrpSpPr>
+      <p:grpSpPr>
+        <a:xfrm>
+          <a:off x="0" y="0"/>
+          <a:ext cx="0" cy="0"/>
+          <a:chOff x="0" y="0"/>
+          <a:chExt cx="0" cy="0"/>
+        </a:xfrm>
+      </p:grpSpPr>
+      <p:sp>
+        <p:nvSpPr>
+          <p:cNvPr id="2" name="제목 1">
+            <a:extLst>
+              <a:ext uri="{FF2B5EF4-FFF2-40B4-BE49-F238E27FC236}">
+                <a16:creationId xmlns:a16="http://schemas.microsoft.com/office/drawing/2014/main" id="{C6D12A3E-5C44-35C0-57FE-2485E32526B5}"/>
+              </a:ext>
+            </a:extLst>
+          </p:cNvPr>
+          <p:cNvSpPr>
+            <a:spLocks noGrp="1"/>
+          </p:cNvSpPr>
+          <p:nvPr>
+            <p:ph type="title"/>
+          </p:nvPr>
+        </p:nvSpPr>
+        <p:spPr>
+          <a:xfrm>
+            <a:off x="698938" y="0"/>
+            <a:ext cx="9601200" cy="346841"/>
+          </a:xfrm>
+        </p:spPr>
+        <p:txBody>
+          <a:bodyPr>
+            <a:normAutofit/>
+          </a:bodyPr>
+          <a:lstStyle/>
+          <a:p>
+            <a:r>
+              <a:rPr lang="ko-KR" altLang="en-US" sz="1800" dirty="0" err="1"/>
+              <a:t>파이썬에서</a:t>
+            </a:r>
+            <a:r>
+              <a:rPr lang="ko-KR" altLang="en-US" sz="1800" dirty="0"/>
+              <a:t> </a:t>
+            </a:r>
+            <a:r>
+              <a:rPr lang="en-US" altLang="ko-KR" sz="1800" dirty="0"/>
+              <a:t>sqlite3 </a:t>
+            </a:r>
+            <a:r>
+              <a:rPr lang="ko-KR" altLang="en-US" sz="1800" dirty="0"/>
+              <a:t>사용 </a:t>
+            </a:r>
+            <a:r>
+              <a:rPr lang="en-US" altLang="ko-KR" sz="1800" dirty="0"/>
+              <a:t>– </a:t>
+            </a:r>
+            <a:r>
+              <a:rPr lang="ko-KR" altLang="en-US" sz="1800" dirty="0"/>
+              <a:t>테이블 생성</a:t>
+            </a:r>
+            <a:r>
+              <a:rPr lang="en-US" altLang="ko-KR" sz="1800" dirty="0"/>
+              <a:t>,</a:t>
+            </a:r>
+            <a:r>
+              <a:rPr lang="ko-KR" altLang="en-US" sz="1800" dirty="0"/>
+              <a:t>삭제</a:t>
+            </a:r>
+          </a:p>
+        </p:txBody>
+      </p:sp>
+      <p:pic>
+        <p:nvPicPr>
+          <p:cNvPr id="8" name="그림 7">
+            <a:extLst>
+              <a:ext uri="{FF2B5EF4-FFF2-40B4-BE49-F238E27FC236}">
+                <a16:creationId xmlns:a16="http://schemas.microsoft.com/office/drawing/2014/main" id="{6F511014-309C-DD0E-0349-E3E1B639082E}"/>
+              </a:ext>
+            </a:extLst>
+          </p:cNvPr>
+          <p:cNvPicPr>
+            <a:picLocks noChangeAspect="1"/>
+          </p:cNvPicPr>
+          <p:nvPr/>
+        </p:nvPicPr>
+        <p:blipFill>
+          <a:blip r:embed="rId2"/>
+          <a:stretch>
+            <a:fillRect/>
+          </a:stretch>
+        </p:blipFill>
+        <p:spPr>
+          <a:xfrm>
+            <a:off x="698937" y="346840"/>
+            <a:ext cx="9585571" cy="2957833"/>
+          </a:xfrm>
+          <a:prstGeom prst="rect">
+            <a:avLst/>
+          </a:prstGeom>
+        </p:spPr>
+      </p:pic>
+      <p:pic>
+        <p:nvPicPr>
+          <p:cNvPr id="10" name="그림 9">
+            <a:extLst>
+              <a:ext uri="{FF2B5EF4-FFF2-40B4-BE49-F238E27FC236}">
+                <a16:creationId xmlns:a16="http://schemas.microsoft.com/office/drawing/2014/main" id="{BAAB9F0C-E987-4023-1FB7-FD5DB4DE601A}"/>
+              </a:ext>
+            </a:extLst>
+          </p:cNvPr>
+          <p:cNvPicPr>
+            <a:picLocks noChangeAspect="1"/>
+          </p:cNvPicPr>
+          <p:nvPr/>
+        </p:nvPicPr>
+        <p:blipFill>
+          <a:blip r:embed="rId3"/>
+          <a:stretch>
+            <a:fillRect/>
+          </a:stretch>
+        </p:blipFill>
+        <p:spPr>
+          <a:xfrm>
+            <a:off x="698936" y="3300661"/>
+            <a:ext cx="9585570" cy="346841"/>
+          </a:xfrm>
+          <a:prstGeom prst="rect">
+            <a:avLst/>
+          </a:prstGeom>
+        </p:spPr>
+      </p:pic>
+      <p:pic>
+        <p:nvPicPr>
+          <p:cNvPr id="12" name="그림 11">
+            <a:extLst>
+              <a:ext uri="{FF2B5EF4-FFF2-40B4-BE49-F238E27FC236}">
+                <a16:creationId xmlns:a16="http://schemas.microsoft.com/office/drawing/2014/main" id="{75C3A357-49C9-A2BF-64D6-C1CF13467D42}"/>
+              </a:ext>
+            </a:extLst>
+          </p:cNvPr>
+          <p:cNvPicPr>
+            <a:picLocks noChangeAspect="1"/>
+          </p:cNvPicPr>
+          <p:nvPr/>
+        </p:nvPicPr>
+        <p:blipFill>
+          <a:blip r:embed="rId4"/>
+          <a:stretch>
+            <a:fillRect/>
+          </a:stretch>
+        </p:blipFill>
+        <p:spPr>
+          <a:xfrm>
+            <a:off x="698936" y="3807178"/>
+            <a:ext cx="6982222" cy="3050822"/>
+          </a:xfrm>
+          <a:prstGeom prst="rect">
+            <a:avLst/>
+          </a:prstGeom>
+        </p:spPr>
+      </p:pic>
+    </p:spTree>
+    <p:extLst>
+      <p:ext uri="{BB962C8B-B14F-4D97-AF65-F5344CB8AC3E}">
+        <p14:creationId xmlns:p14="http://schemas.microsoft.com/office/powerpoint/2010/main" val="211076892"/>
+      </p:ext>
+    </p:extLst>
+  </p:cSld>
+  <p:clrMapOvr>
+    <a:masterClrMapping/>
+  </p:clrMapOvr>
+</p:sld>
+</file>
+
+<file path=ppt/slides/slide23.xml><?xml version="1.0" encoding="utf-8"?>
+<p:sld xmlns:a="http://schemas.openxmlformats.org/drawingml/2006/main" xmlns:r="http://schemas.openxmlformats.org/officeDocument/2006/relationships" xmlns:p="http://schemas.openxmlformats.org/presentationml/2006/main">
+  <p:cSld>
+    <p:spTree>
+      <p:nvGrpSpPr>
+        <p:cNvPr id="1" name=""/>
+        <p:cNvGrpSpPr/>
+        <p:nvPr/>
+      </p:nvGrpSpPr>
+      <p:grpSpPr>
+        <a:xfrm>
+          <a:off x="0" y="0"/>
+          <a:ext cx="0" cy="0"/>
+          <a:chOff x="0" y="0"/>
+          <a:chExt cx="0" cy="0"/>
+        </a:xfrm>
+      </p:grpSpPr>
+      <p:sp>
+        <p:nvSpPr>
+          <p:cNvPr id="2" name="제목 1">
+            <a:extLst>
+              <a:ext uri="{FF2B5EF4-FFF2-40B4-BE49-F238E27FC236}">
+                <a16:creationId xmlns:a16="http://schemas.microsoft.com/office/drawing/2014/main" id="{C6D12A3E-5C44-35C0-57FE-2485E32526B5}"/>
+              </a:ext>
+            </a:extLst>
+          </p:cNvPr>
+          <p:cNvSpPr>
+            <a:spLocks noGrp="1"/>
+          </p:cNvSpPr>
+          <p:nvPr>
+            <p:ph type="title"/>
+          </p:nvPr>
+        </p:nvSpPr>
+        <p:spPr>
+          <a:xfrm>
+            <a:off x="698938" y="0"/>
+            <a:ext cx="9601200" cy="346841"/>
+          </a:xfrm>
+        </p:spPr>
+        <p:txBody>
+          <a:bodyPr>
+            <a:normAutofit/>
+          </a:bodyPr>
+          <a:lstStyle/>
+          <a:p>
+            <a:r>
+              <a:rPr lang="ko-KR" altLang="en-US" sz="1800" dirty="0" err="1"/>
+              <a:t>파이썬에서</a:t>
+            </a:r>
+            <a:r>
+              <a:rPr lang="ko-KR" altLang="en-US" sz="1800" dirty="0"/>
+              <a:t> </a:t>
+            </a:r>
+            <a:r>
+              <a:rPr lang="en-US" altLang="ko-KR" sz="1800" dirty="0"/>
+              <a:t>sqlite3 </a:t>
+            </a:r>
+            <a:r>
+              <a:rPr lang="ko-KR" altLang="en-US" sz="1800" dirty="0"/>
+              <a:t>사용 </a:t>
+            </a:r>
+            <a:r>
+              <a:rPr lang="en-US" altLang="ko-KR" sz="1800" dirty="0"/>
+              <a:t>– </a:t>
+            </a:r>
+            <a:r>
+              <a:rPr lang="ko-KR" altLang="en-US" sz="1800" dirty="0"/>
+              <a:t>데이터 삽입</a:t>
+            </a:r>
+          </a:p>
+        </p:txBody>
+      </p:sp>
+      <p:pic>
+        <p:nvPicPr>
+          <p:cNvPr id="6" name="그림 5">
+            <a:extLst>
+              <a:ext uri="{FF2B5EF4-FFF2-40B4-BE49-F238E27FC236}">
+                <a16:creationId xmlns:a16="http://schemas.microsoft.com/office/drawing/2014/main" id="{8AAAAE9F-815D-C180-D814-A4AAFEA35C4A}"/>
+              </a:ext>
+            </a:extLst>
+          </p:cNvPr>
+          <p:cNvPicPr>
+            <a:picLocks noChangeAspect="1"/>
+          </p:cNvPicPr>
+          <p:nvPr/>
+        </p:nvPicPr>
+        <p:blipFill>
+          <a:blip r:embed="rId2"/>
+          <a:stretch>
+            <a:fillRect/>
+          </a:stretch>
+        </p:blipFill>
+        <p:spPr>
+          <a:xfrm>
+            <a:off x="698938" y="2012877"/>
+            <a:ext cx="4858000" cy="2832246"/>
+          </a:xfrm>
+          <a:prstGeom prst="rect">
+            <a:avLst/>
+          </a:prstGeom>
+        </p:spPr>
+      </p:pic>
+      <p:pic>
+        <p:nvPicPr>
+          <p:cNvPr id="8" name="그림 7">
+            <a:extLst>
+              <a:ext uri="{FF2B5EF4-FFF2-40B4-BE49-F238E27FC236}">
+                <a16:creationId xmlns:a16="http://schemas.microsoft.com/office/drawing/2014/main" id="{EA61834D-A132-9278-BABC-4BDD701E8242}"/>
+              </a:ext>
+            </a:extLst>
+          </p:cNvPr>
+          <p:cNvPicPr>
+            <a:picLocks noChangeAspect="1"/>
+          </p:cNvPicPr>
+          <p:nvPr/>
+        </p:nvPicPr>
+        <p:blipFill>
+          <a:blip r:embed="rId3"/>
+          <a:stretch>
+            <a:fillRect/>
+          </a:stretch>
+        </p:blipFill>
+        <p:spPr>
+          <a:xfrm>
+            <a:off x="5822623" y="1295290"/>
+            <a:ext cx="6369377" cy="4267419"/>
+          </a:xfrm>
+          <a:prstGeom prst="rect">
+            <a:avLst/>
+          </a:prstGeom>
+        </p:spPr>
+      </p:pic>
+    </p:spTree>
+    <p:extLst>
+      <p:ext uri="{BB962C8B-B14F-4D97-AF65-F5344CB8AC3E}">
+        <p14:creationId xmlns:p14="http://schemas.microsoft.com/office/powerpoint/2010/main" val="2497699658"/>
+      </p:ext>
+    </p:extLst>
+  </p:cSld>
+  <p:clrMapOvr>
+    <a:masterClrMapping/>
+  </p:clrMapOvr>
+</p:sld>
+</file>
+
+<file path=ppt/slides/slide24.xml><?xml version="1.0" encoding="utf-8"?>
+<p:sld xmlns:a="http://schemas.openxmlformats.org/drawingml/2006/main" xmlns:r="http://schemas.openxmlformats.org/officeDocument/2006/relationships" xmlns:p="http://schemas.openxmlformats.org/presentationml/2006/main">
+  <p:cSld>
+    <p:spTree>
+      <p:nvGrpSpPr>
+        <p:cNvPr id="1" name=""/>
+        <p:cNvGrpSpPr/>
+        <p:nvPr/>
+      </p:nvGrpSpPr>
+      <p:grpSpPr>
+        <a:xfrm>
+          <a:off x="0" y="0"/>
+          <a:ext cx="0" cy="0"/>
+          <a:chOff x="0" y="0"/>
+          <a:chExt cx="0" cy="0"/>
+        </a:xfrm>
+      </p:grpSpPr>
+      <p:sp>
+        <p:nvSpPr>
+          <p:cNvPr id="2" name="제목 1">
+            <a:extLst>
+              <a:ext uri="{FF2B5EF4-FFF2-40B4-BE49-F238E27FC236}">
+                <a16:creationId xmlns:a16="http://schemas.microsoft.com/office/drawing/2014/main" id="{C6D12A3E-5C44-35C0-57FE-2485E32526B5}"/>
+              </a:ext>
+            </a:extLst>
+          </p:cNvPr>
+          <p:cNvSpPr>
+            <a:spLocks noGrp="1"/>
+          </p:cNvSpPr>
+          <p:nvPr>
+            <p:ph type="title"/>
+          </p:nvPr>
+        </p:nvSpPr>
+        <p:spPr>
+          <a:xfrm>
+            <a:off x="698938" y="0"/>
+            <a:ext cx="9601200" cy="346841"/>
+          </a:xfrm>
+        </p:spPr>
+        <p:txBody>
+          <a:bodyPr>
+            <a:normAutofit/>
+          </a:bodyPr>
+          <a:lstStyle/>
+          <a:p>
+            <a:r>
+              <a:rPr lang="ko-KR" altLang="en-US" sz="1800" dirty="0" err="1"/>
+              <a:t>파이썬에서</a:t>
+            </a:r>
+            <a:r>
+              <a:rPr lang="ko-KR" altLang="en-US" sz="1800" dirty="0"/>
+              <a:t> </a:t>
+            </a:r>
+            <a:r>
+              <a:rPr lang="en-US" altLang="ko-KR" sz="1800" dirty="0"/>
+              <a:t>sqlite3 </a:t>
+            </a:r>
+            <a:r>
+              <a:rPr lang="ko-KR" altLang="en-US" sz="1800" dirty="0"/>
+              <a:t>사용 </a:t>
+            </a:r>
+            <a:r>
+              <a:rPr lang="en-US" altLang="ko-KR" sz="1800" dirty="0"/>
+              <a:t>– </a:t>
+            </a:r>
+            <a:r>
+              <a:rPr lang="ko-KR" altLang="en-US" sz="1800" dirty="0"/>
+              <a:t>데이터 삽입</a:t>
+            </a:r>
+          </a:p>
+        </p:txBody>
+      </p:sp>
+      <p:pic>
+        <p:nvPicPr>
+          <p:cNvPr id="4" name="그림 3">
+            <a:extLst>
+              <a:ext uri="{FF2B5EF4-FFF2-40B4-BE49-F238E27FC236}">
+                <a16:creationId xmlns:a16="http://schemas.microsoft.com/office/drawing/2014/main" id="{4334FBF9-D2A9-62E1-7CCC-0B3C66725401}"/>
+              </a:ext>
+            </a:extLst>
+          </p:cNvPr>
+          <p:cNvPicPr>
+            <a:picLocks noChangeAspect="1"/>
+          </p:cNvPicPr>
+          <p:nvPr/>
+        </p:nvPicPr>
+        <p:blipFill>
+          <a:blip r:embed="rId2"/>
+          <a:stretch>
+            <a:fillRect/>
+          </a:stretch>
+        </p:blipFill>
+        <p:spPr>
+          <a:xfrm>
+            <a:off x="4217803" y="947335"/>
+            <a:ext cx="3756394" cy="551785"/>
+          </a:xfrm>
+          <a:prstGeom prst="rect">
+            <a:avLst/>
+          </a:prstGeom>
+        </p:spPr>
+      </p:pic>
+      <p:pic>
+        <p:nvPicPr>
+          <p:cNvPr id="6" name="그림 5">
+            <a:extLst>
+              <a:ext uri="{FF2B5EF4-FFF2-40B4-BE49-F238E27FC236}">
+                <a16:creationId xmlns:a16="http://schemas.microsoft.com/office/drawing/2014/main" id="{81AC2651-98D3-667D-6F4A-6BAC6A39B2F9}"/>
+              </a:ext>
+            </a:extLst>
+          </p:cNvPr>
+          <p:cNvPicPr>
+            <a:picLocks noChangeAspect="1"/>
+          </p:cNvPicPr>
+          <p:nvPr/>
+        </p:nvPicPr>
+        <p:blipFill>
+          <a:blip r:embed="rId3"/>
+          <a:stretch>
+            <a:fillRect/>
+          </a:stretch>
+        </p:blipFill>
+        <p:spPr>
+          <a:xfrm>
+            <a:off x="4217802" y="1499120"/>
+            <a:ext cx="3649101" cy="3538101"/>
+          </a:xfrm>
+          <a:prstGeom prst="rect">
+            <a:avLst/>
+          </a:prstGeom>
+        </p:spPr>
+      </p:pic>
+      <p:pic>
+        <p:nvPicPr>
+          <p:cNvPr id="8" name="그림 7">
+            <a:extLst>
+              <a:ext uri="{FF2B5EF4-FFF2-40B4-BE49-F238E27FC236}">
+                <a16:creationId xmlns:a16="http://schemas.microsoft.com/office/drawing/2014/main" id="{74B83BDA-5080-50AE-3F44-1A28814CBA1F}"/>
+              </a:ext>
+            </a:extLst>
+          </p:cNvPr>
+          <p:cNvPicPr>
+            <a:picLocks noChangeAspect="1"/>
+          </p:cNvPicPr>
+          <p:nvPr/>
+        </p:nvPicPr>
+        <p:blipFill>
+          <a:blip r:embed="rId4"/>
+          <a:stretch>
+            <a:fillRect/>
+          </a:stretch>
+        </p:blipFill>
+        <p:spPr>
+          <a:xfrm>
+            <a:off x="4217802" y="5037220"/>
+            <a:ext cx="4547667" cy="1152279"/>
+          </a:xfrm>
+          <a:prstGeom prst="rect">
+            <a:avLst/>
+          </a:prstGeom>
+        </p:spPr>
+      </p:pic>
+    </p:spTree>
+    <p:extLst>
+      <p:ext uri="{BB962C8B-B14F-4D97-AF65-F5344CB8AC3E}">
+        <p14:creationId xmlns:p14="http://schemas.microsoft.com/office/powerpoint/2010/main" val="3271348361"/>
+      </p:ext>
+    </p:extLst>
+  </p:cSld>
+  <p:clrMapOvr>
+    <a:masterClrMapping/>
+  </p:clrMapOvr>
+</p:sld>
+</file>
+
+<file path=ppt/slides/slide25.xml><?xml version="1.0" encoding="utf-8"?>
+<p:sld xmlns:a="http://schemas.openxmlformats.org/drawingml/2006/main" xmlns:r="http://schemas.openxmlformats.org/officeDocument/2006/relationships" xmlns:p="http://schemas.openxmlformats.org/presentationml/2006/main">
+  <p:cSld>
+    <p:spTree>
+      <p:nvGrpSpPr>
+        <p:cNvPr id="1" name=""/>
+        <p:cNvGrpSpPr/>
+        <p:nvPr/>
+      </p:nvGrpSpPr>
+      <p:grpSpPr>
+        <a:xfrm>
+          <a:off x="0" y="0"/>
+          <a:ext cx="0" cy="0"/>
+          <a:chOff x="0" y="0"/>
+          <a:chExt cx="0" cy="0"/>
+        </a:xfrm>
+      </p:grpSpPr>
+      <p:sp>
+        <p:nvSpPr>
+          <p:cNvPr id="2" name="제목 1">
+            <a:extLst>
+              <a:ext uri="{FF2B5EF4-FFF2-40B4-BE49-F238E27FC236}">
+                <a16:creationId xmlns:a16="http://schemas.microsoft.com/office/drawing/2014/main" id="{C6D12A3E-5C44-35C0-57FE-2485E32526B5}"/>
+              </a:ext>
+            </a:extLst>
+          </p:cNvPr>
+          <p:cNvSpPr>
+            <a:spLocks noGrp="1"/>
+          </p:cNvSpPr>
+          <p:nvPr>
+            <p:ph type="title"/>
+          </p:nvPr>
+        </p:nvSpPr>
+        <p:spPr>
+          <a:xfrm>
+            <a:off x="698938" y="0"/>
+            <a:ext cx="9601200" cy="346841"/>
+          </a:xfrm>
+        </p:spPr>
+        <p:txBody>
+          <a:bodyPr>
+            <a:normAutofit/>
+          </a:bodyPr>
+          <a:lstStyle/>
+          <a:p>
+            <a:r>
+              <a:rPr lang="ko-KR" altLang="en-US" sz="1800" dirty="0" err="1"/>
+              <a:t>파이썬에서</a:t>
+            </a:r>
+            <a:r>
+              <a:rPr lang="ko-KR" altLang="en-US" sz="1800" dirty="0"/>
+              <a:t> </a:t>
+            </a:r>
+            <a:r>
+              <a:rPr lang="en-US" altLang="ko-KR" sz="1800" dirty="0"/>
+              <a:t>sqlite3 </a:t>
+            </a:r>
+            <a:r>
+              <a:rPr lang="ko-KR" altLang="en-US" sz="1800" dirty="0" err="1"/>
+              <a:t>사용－데이터</a:t>
+            </a:r>
+            <a:r>
+              <a:rPr lang="ko-KR" altLang="en-US" sz="1800" dirty="0"/>
+              <a:t>　사용</a:t>
+            </a:r>
+          </a:p>
+        </p:txBody>
+      </p:sp>
+      <p:pic>
+        <p:nvPicPr>
+          <p:cNvPr id="4" name="그림 3">
+            <a:extLst>
+              <a:ext uri="{FF2B5EF4-FFF2-40B4-BE49-F238E27FC236}">
+                <a16:creationId xmlns:a16="http://schemas.microsoft.com/office/drawing/2014/main" id="{25671A79-2716-3613-B867-78E3D6111000}"/>
+              </a:ext>
+            </a:extLst>
+          </p:cNvPr>
+          <p:cNvPicPr>
+            <a:picLocks noChangeAspect="1"/>
+          </p:cNvPicPr>
+          <p:nvPr/>
+        </p:nvPicPr>
+        <p:blipFill>
+          <a:blip r:embed="rId2"/>
+          <a:stretch>
+            <a:fillRect/>
+          </a:stretch>
+        </p:blipFill>
+        <p:spPr>
+          <a:xfrm>
+            <a:off x="0" y="1977914"/>
+            <a:ext cx="4810807" cy="2902172"/>
+          </a:xfrm>
+          <a:prstGeom prst="rect">
+            <a:avLst/>
+          </a:prstGeom>
+        </p:spPr>
+      </p:pic>
+      <p:pic>
+        <p:nvPicPr>
+          <p:cNvPr id="6" name="그림 5">
+            <a:extLst>
+              <a:ext uri="{FF2B5EF4-FFF2-40B4-BE49-F238E27FC236}">
+                <a16:creationId xmlns:a16="http://schemas.microsoft.com/office/drawing/2014/main" id="{D9D468A0-0567-88A3-E8FA-AE34EAF845E0}"/>
+              </a:ext>
+            </a:extLst>
+          </p:cNvPr>
+          <p:cNvPicPr>
+            <a:picLocks noChangeAspect="1"/>
+          </p:cNvPicPr>
+          <p:nvPr/>
+        </p:nvPicPr>
+        <p:blipFill>
+          <a:blip r:embed="rId3"/>
+          <a:stretch>
+            <a:fillRect/>
+          </a:stretch>
+        </p:blipFill>
+        <p:spPr>
+          <a:xfrm>
+            <a:off x="5003431" y="1777915"/>
+            <a:ext cx="7188569" cy="3302170"/>
+          </a:xfrm>
+          <a:prstGeom prst="rect">
+            <a:avLst/>
+          </a:prstGeom>
+        </p:spPr>
+      </p:pic>
+    </p:spTree>
+    <p:extLst>
+      <p:ext uri="{BB962C8B-B14F-4D97-AF65-F5344CB8AC3E}">
+        <p14:creationId xmlns:p14="http://schemas.microsoft.com/office/powerpoint/2010/main" val="3613033490"/>
+      </p:ext>
+    </p:extLst>
+  </p:cSld>
+  <p:clrMapOvr>
+    <a:masterClrMapping/>
+  </p:clrMapOvr>
+</p:sld>
+</file>
+
+<file path=ppt/slides/slide26.xml><?xml version="1.0" encoding="utf-8"?>
+<p:sld xmlns:a="http://schemas.openxmlformats.org/drawingml/2006/main" xmlns:r="http://schemas.openxmlformats.org/officeDocument/2006/relationships" xmlns:p="http://schemas.openxmlformats.org/presentationml/2006/main">
+  <p:cSld>
+    <p:spTree>
+      <p:nvGrpSpPr>
+        <p:cNvPr id="1" name=""/>
+        <p:cNvGrpSpPr/>
+        <p:nvPr/>
+      </p:nvGrpSpPr>
+      <p:grpSpPr>
+        <a:xfrm>
+          <a:off x="0" y="0"/>
+          <a:ext cx="0" cy="0"/>
+          <a:chOff x="0" y="0"/>
+          <a:chExt cx="0" cy="0"/>
+        </a:xfrm>
+      </p:grpSpPr>
+      <p:sp>
+        <p:nvSpPr>
+          <p:cNvPr id="2" name="제목 1">
+            <a:extLst>
+              <a:ext uri="{FF2B5EF4-FFF2-40B4-BE49-F238E27FC236}">
+                <a16:creationId xmlns:a16="http://schemas.microsoft.com/office/drawing/2014/main" id="{C6D12A3E-5C44-35C0-57FE-2485E32526B5}"/>
+              </a:ext>
+            </a:extLst>
+          </p:cNvPr>
+          <p:cNvSpPr>
+            <a:spLocks noGrp="1"/>
+          </p:cNvSpPr>
+          <p:nvPr>
+            <p:ph type="title"/>
+          </p:nvPr>
+        </p:nvSpPr>
+        <p:spPr>
+          <a:xfrm>
+            <a:off x="698938" y="0"/>
+            <a:ext cx="9601200" cy="346841"/>
+          </a:xfrm>
+        </p:spPr>
+        <p:txBody>
+          <a:bodyPr>
+            <a:normAutofit/>
+          </a:bodyPr>
+          <a:lstStyle/>
+          <a:p>
+            <a:r>
+              <a:rPr lang="ko-KR" altLang="en-US" sz="1800" dirty="0"/>
+              <a:t>정리하기</a:t>
+            </a:r>
+          </a:p>
+        </p:txBody>
+      </p:sp>
+      <p:pic>
+        <p:nvPicPr>
+          <p:cNvPr id="4" name="그림 3">
+            <a:extLst>
+              <a:ext uri="{FF2B5EF4-FFF2-40B4-BE49-F238E27FC236}">
+                <a16:creationId xmlns:a16="http://schemas.microsoft.com/office/drawing/2014/main" id="{24927ECB-734A-27E0-7BA6-9FA408D2E6C6}"/>
+              </a:ext>
+            </a:extLst>
+          </p:cNvPr>
+          <p:cNvPicPr>
+            <a:picLocks noChangeAspect="1"/>
+          </p:cNvPicPr>
+          <p:nvPr/>
+        </p:nvPicPr>
+        <p:blipFill>
+          <a:blip r:embed="rId2"/>
+          <a:stretch>
+            <a:fillRect/>
+          </a:stretch>
+        </p:blipFill>
+        <p:spPr>
+          <a:xfrm>
+            <a:off x="3440906" y="0"/>
+            <a:ext cx="5310188" cy="6858000"/>
+          </a:xfrm>
+          <a:prstGeom prst="rect">
+            <a:avLst/>
+          </a:prstGeom>
+        </p:spPr>
+      </p:pic>
+    </p:spTree>
+    <p:extLst>
+      <p:ext uri="{BB962C8B-B14F-4D97-AF65-F5344CB8AC3E}">
+        <p14:creationId xmlns:p14="http://schemas.microsoft.com/office/powerpoint/2010/main" val="2331355426"/>
       </p:ext>
     </p:extLst>
   </p:cSld>
@@ -5009,15 +8925,88 @@
           <a:p>
             <a:r>
               <a:rPr lang="ko-KR" altLang="en-US" sz="1800" dirty="0"/>
-              <a:t>파일 쓰기</a:t>
-            </a:r>
+              <a:t>데이터베이스</a:t>
+            </a:r>
+            <a:r>
+              <a:rPr lang="en-US" altLang="ko-KR" sz="1800" dirty="0"/>
+              <a:t>(DB)</a:t>
+            </a:r>
+            <a:r>
+              <a:rPr lang="ko-KR" altLang="en-US" sz="1800" dirty="0"/>
+              <a:t>와 데이터베이스 시스템</a:t>
+            </a:r>
+            <a:r>
+              <a:rPr lang="en-US" altLang="ko-KR" sz="1800" dirty="0"/>
+              <a:t>(DBMS)</a:t>
+            </a:r>
+            <a:endParaRPr lang="ko-KR" altLang="en-US" sz="1800" dirty="0"/>
           </a:p>
         </p:txBody>
       </p:sp>
+      <p:pic>
+        <p:nvPicPr>
+          <p:cNvPr id="4" name="그림 3">
+            <a:extLst>
+              <a:ext uri="{FF2B5EF4-FFF2-40B4-BE49-F238E27FC236}">
+                <a16:creationId xmlns:a16="http://schemas.microsoft.com/office/drawing/2014/main" id="{21A145AA-1C71-2302-0F87-9ED6A3260246}"/>
+              </a:ext>
+            </a:extLst>
+          </p:cNvPr>
+          <p:cNvPicPr>
+            <a:picLocks noChangeAspect="1"/>
+          </p:cNvPicPr>
+          <p:nvPr/>
+        </p:nvPicPr>
+        <p:blipFill>
+          <a:blip r:embed="rId2"/>
+          <a:stretch>
+            <a:fillRect/>
+          </a:stretch>
+        </p:blipFill>
+        <p:spPr>
+          <a:xfrm>
+            <a:off x="698938" y="2635321"/>
+            <a:ext cx="6196165" cy="1587356"/>
+          </a:xfrm>
+          <a:prstGeom prst="rect">
+            <a:avLst/>
+          </a:prstGeom>
+        </p:spPr>
+      </p:pic>
+      <p:pic>
+        <p:nvPicPr>
+          <p:cNvPr id="6" name="그림 5">
+            <a:extLst>
+              <a:ext uri="{FF2B5EF4-FFF2-40B4-BE49-F238E27FC236}">
+                <a16:creationId xmlns:a16="http://schemas.microsoft.com/office/drawing/2014/main" id="{B94DDEA9-ED3B-D217-D473-12272266829D}"/>
+              </a:ext>
+            </a:extLst>
+          </p:cNvPr>
+          <p:cNvPicPr>
+            <a:picLocks noChangeAspect="1"/>
+          </p:cNvPicPr>
+          <p:nvPr/>
+        </p:nvPicPr>
+        <p:blipFill>
+          <a:blip r:embed="rId3"/>
+          <a:stretch>
+            <a:fillRect/>
+          </a:stretch>
+        </p:blipFill>
+        <p:spPr>
+          <a:xfrm>
+            <a:off x="7276847" y="1800821"/>
+            <a:ext cx="4915153" cy="2775093"/>
+          </a:xfrm>
+          <a:prstGeom prst="rect">
+            <a:avLst/>
+          </a:prstGeom>
+        </p:spPr>
+      </p:pic>
     </p:spTree>
     <p:extLst>
       <p:ext uri="{BB962C8B-B14F-4D97-AF65-F5344CB8AC3E}">
-        <p14:creationId xmlns:p14="http://schemas.microsoft.com/office/powerpoint/2010/main" val="1223046025"/>
+        <p14:creationId xmlns:p14="http://schemas.microsoft.com/office/powerpoint/2010/main" val="1437047923"/>
       </p:ext>
     </p:extLst>
   </p:cSld>
@@ -5074,15 +9063,105 @@
           <a:p>
             <a:r>
               <a:rPr lang="ko-KR" altLang="en-US" sz="1800" dirty="0"/>
-              <a:t>파일 쓰기</a:t>
+              <a:t>데이터베이스를 다루는 언어</a:t>
             </a:r>
           </a:p>
         </p:txBody>
       </p:sp>
+      <p:pic>
+        <p:nvPicPr>
+          <p:cNvPr id="4" name="그림 3">
+            <a:extLst>
+              <a:ext uri="{FF2B5EF4-FFF2-40B4-BE49-F238E27FC236}">
+                <a16:creationId xmlns:a16="http://schemas.microsoft.com/office/drawing/2014/main" id="{DD9555BE-E460-5404-6D70-3EA1F7739FAC}"/>
+              </a:ext>
+            </a:extLst>
+          </p:cNvPr>
+          <p:cNvPicPr>
+            <a:picLocks noChangeAspect="1"/>
+          </p:cNvPicPr>
+          <p:nvPr/>
+        </p:nvPicPr>
+        <p:blipFill>
+          <a:blip r:embed="rId2"/>
+          <a:stretch>
+            <a:fillRect/>
+          </a:stretch>
+        </p:blipFill>
+        <p:spPr>
+          <a:xfrm>
+            <a:off x="711847" y="770019"/>
+            <a:ext cx="5384153" cy="1979265"/>
+          </a:xfrm>
+          <a:prstGeom prst="rect">
+            <a:avLst/>
+          </a:prstGeom>
+        </p:spPr>
+      </p:pic>
+      <p:pic>
+        <p:nvPicPr>
+          <p:cNvPr id="6" name="그림 5">
+            <a:extLst>
+              <a:ext uri="{FF2B5EF4-FFF2-40B4-BE49-F238E27FC236}">
+                <a16:creationId xmlns:a16="http://schemas.microsoft.com/office/drawing/2014/main" id="{E2B2EF31-1AD6-5F70-E69B-D1B8E59A3278}"/>
+              </a:ext>
+            </a:extLst>
+          </p:cNvPr>
+          <p:cNvPicPr>
+            <a:picLocks noChangeAspect="1"/>
+          </p:cNvPicPr>
+          <p:nvPr/>
+        </p:nvPicPr>
+        <p:blipFill>
+          <a:blip r:embed="rId3"/>
+          <a:stretch>
+            <a:fillRect/>
+          </a:stretch>
+        </p:blipFill>
+        <p:spPr>
+          <a:xfrm>
+            <a:off x="7009643" y="880833"/>
+            <a:ext cx="4470510" cy="1757636"/>
+          </a:xfrm>
+          <a:prstGeom prst="rect">
+            <a:avLst/>
+          </a:prstGeom>
+        </p:spPr>
+      </p:pic>
+      <p:pic>
+        <p:nvPicPr>
+          <p:cNvPr id="8" name="그림 7">
+            <a:extLst>
+              <a:ext uri="{FF2B5EF4-FFF2-40B4-BE49-F238E27FC236}">
+                <a16:creationId xmlns:a16="http://schemas.microsoft.com/office/drawing/2014/main" id="{3B8BFE12-9023-DA75-017F-E3C6D755416C}"/>
+              </a:ext>
+            </a:extLst>
+          </p:cNvPr>
+          <p:cNvPicPr>
+            <a:picLocks noChangeAspect="1"/>
+          </p:cNvPicPr>
+          <p:nvPr/>
+        </p:nvPicPr>
+        <p:blipFill>
+          <a:blip r:embed="rId4"/>
+          <a:stretch>
+            <a:fillRect/>
+          </a:stretch>
+        </p:blipFill>
+        <p:spPr>
+          <a:xfrm>
+            <a:off x="2963012" y="3531353"/>
+            <a:ext cx="7266126" cy="1420029"/>
+          </a:xfrm>
+          <a:prstGeom prst="rect">
+            <a:avLst/>
+          </a:prstGeom>
+        </p:spPr>
+      </p:pic>
     </p:spTree>
     <p:extLst>
       <p:ext uri="{BB962C8B-B14F-4D97-AF65-F5344CB8AC3E}">
-        <p14:creationId xmlns:p14="http://schemas.microsoft.com/office/powerpoint/2010/main" val="1437047923"/>
+        <p14:creationId xmlns:p14="http://schemas.microsoft.com/office/powerpoint/2010/main" val="759880074"/>
       </p:ext>
     </p:extLst>
   </p:cSld>
@@ -5139,15 +9218,105 @@
           <a:p>
             <a:r>
               <a:rPr lang="ko-KR" altLang="en-US" sz="1800" dirty="0"/>
-              <a:t>파일 쓰기</a:t>
+              <a:t>데이터베이스 처리 실습</a:t>
             </a:r>
           </a:p>
         </p:txBody>
       </p:sp>
+      <p:pic>
+        <p:nvPicPr>
+          <p:cNvPr id="4" name="그림 3">
+            <a:extLst>
+              <a:ext uri="{FF2B5EF4-FFF2-40B4-BE49-F238E27FC236}">
+                <a16:creationId xmlns:a16="http://schemas.microsoft.com/office/drawing/2014/main" id="{0CC92D62-A5DD-5BB3-FCC5-EFEFE6E0DB9D}"/>
+              </a:ext>
+            </a:extLst>
+          </p:cNvPr>
+          <p:cNvPicPr>
+            <a:picLocks noChangeAspect="1"/>
+          </p:cNvPicPr>
+          <p:nvPr/>
+        </p:nvPicPr>
+        <p:blipFill>
+          <a:blip r:embed="rId2"/>
+          <a:stretch>
+            <a:fillRect/>
+          </a:stretch>
+        </p:blipFill>
+        <p:spPr>
+          <a:xfrm>
+            <a:off x="698938" y="346841"/>
+            <a:ext cx="6790822" cy="1219201"/>
+          </a:xfrm>
+          <a:prstGeom prst="rect">
+            <a:avLst/>
+          </a:prstGeom>
+        </p:spPr>
+      </p:pic>
+      <p:pic>
+        <p:nvPicPr>
+          <p:cNvPr id="6" name="그림 5">
+            <a:extLst>
+              <a:ext uri="{FF2B5EF4-FFF2-40B4-BE49-F238E27FC236}">
+                <a16:creationId xmlns:a16="http://schemas.microsoft.com/office/drawing/2014/main" id="{C7721A0D-6862-3059-CFF9-9619E926B0DF}"/>
+              </a:ext>
+            </a:extLst>
+          </p:cNvPr>
+          <p:cNvPicPr>
+            <a:picLocks noChangeAspect="1"/>
+          </p:cNvPicPr>
+          <p:nvPr/>
+        </p:nvPicPr>
+        <p:blipFill>
+          <a:blip r:embed="rId3"/>
+          <a:stretch>
+            <a:fillRect/>
+          </a:stretch>
+        </p:blipFill>
+        <p:spPr>
+          <a:xfrm>
+            <a:off x="698938" y="2454867"/>
+            <a:ext cx="4244208" cy="4403133"/>
+          </a:xfrm>
+          <a:prstGeom prst="rect">
+            <a:avLst/>
+          </a:prstGeom>
+        </p:spPr>
+      </p:pic>
+      <p:pic>
+        <p:nvPicPr>
+          <p:cNvPr id="8" name="그림 7">
+            <a:extLst>
+              <a:ext uri="{FF2B5EF4-FFF2-40B4-BE49-F238E27FC236}">
+                <a16:creationId xmlns:a16="http://schemas.microsoft.com/office/drawing/2014/main" id="{3CD2C0C0-AFFE-AE47-C2A5-EED4F26949DF}"/>
+              </a:ext>
+            </a:extLst>
+          </p:cNvPr>
+          <p:cNvPicPr>
+            <a:picLocks noChangeAspect="1"/>
+          </p:cNvPicPr>
+          <p:nvPr/>
+        </p:nvPicPr>
+        <p:blipFill>
+          <a:blip r:embed="rId4"/>
+          <a:stretch>
+            <a:fillRect/>
+          </a:stretch>
+        </p:blipFill>
+        <p:spPr>
+          <a:xfrm>
+            <a:off x="5022176" y="4388644"/>
+            <a:ext cx="7169824" cy="535577"/>
+          </a:xfrm>
+          <a:prstGeom prst="rect">
+            <a:avLst/>
+          </a:prstGeom>
+        </p:spPr>
+      </p:pic>
     </p:spTree>
     <p:extLst>
       <p:ext uri="{BB962C8B-B14F-4D97-AF65-F5344CB8AC3E}">
-        <p14:creationId xmlns:p14="http://schemas.microsoft.com/office/powerpoint/2010/main" val="759880074"/>
+        <p14:creationId xmlns:p14="http://schemas.microsoft.com/office/powerpoint/2010/main" val="2910737342"/>
       </p:ext>
     </p:extLst>
   </p:cSld>
